--- a/Scratch for Newbies/Level2/1 Knock Knock/Note/Notes.pptx
+++ b/Scratch for Newbies/Level2/1 Knock Knock/Note/Notes.pptx
@@ -5,7 +5,7 @@
     <p:sldMasterId id="2147483648" r:id="rId1"/>
   </p:sldMasterIdLst>
   <p:notesMasterIdLst>
-    <p:notesMasterId r:id="rId26"/>
+    <p:notesMasterId r:id="rId27"/>
   </p:notesMasterIdLst>
   <p:sldIdLst>
     <p:sldId id="259" r:id="rId2"/>
@@ -17,21 +17,22 @@
     <p:sldId id="511" r:id="rId8"/>
     <p:sldId id="512" r:id="rId9"/>
     <p:sldId id="513" r:id="rId10"/>
-    <p:sldId id="514" r:id="rId11"/>
-    <p:sldId id="515" r:id="rId12"/>
-    <p:sldId id="516" r:id="rId13"/>
-    <p:sldId id="517" r:id="rId14"/>
-    <p:sldId id="518" r:id="rId15"/>
-    <p:sldId id="519" r:id="rId16"/>
-    <p:sldId id="520" r:id="rId17"/>
-    <p:sldId id="521" r:id="rId18"/>
-    <p:sldId id="522" r:id="rId19"/>
-    <p:sldId id="523" r:id="rId20"/>
-    <p:sldId id="524" r:id="rId21"/>
-    <p:sldId id="525" r:id="rId22"/>
-    <p:sldId id="383" r:id="rId23"/>
-    <p:sldId id="506" r:id="rId24"/>
-    <p:sldId id="319" r:id="rId25"/>
+    <p:sldId id="528" r:id="rId11"/>
+    <p:sldId id="514" r:id="rId12"/>
+    <p:sldId id="515" r:id="rId13"/>
+    <p:sldId id="516" r:id="rId14"/>
+    <p:sldId id="517" r:id="rId15"/>
+    <p:sldId id="518" r:id="rId16"/>
+    <p:sldId id="519" r:id="rId17"/>
+    <p:sldId id="520" r:id="rId18"/>
+    <p:sldId id="521" r:id="rId19"/>
+    <p:sldId id="522" r:id="rId20"/>
+    <p:sldId id="523" r:id="rId21"/>
+    <p:sldId id="524" r:id="rId22"/>
+    <p:sldId id="525" r:id="rId23"/>
+    <p:sldId id="383" r:id="rId24"/>
+    <p:sldId id="506" r:id="rId25"/>
+    <p:sldId id="319" r:id="rId26"/>
   </p:sldIdLst>
   <p:sldSz cx="12192000" cy="6858000"/>
   <p:notesSz cx="6858000" cy="9144000"/>
@@ -4396,7 +4397,7 @@
         <p:cNvPr id="1" name="">
           <a:extLst>
             <a:ext uri="{FF2B5EF4-FFF2-40B4-BE49-F238E27FC236}">
-              <a16:creationId xmlns:a16="http://schemas.microsoft.com/office/drawing/2014/main" id="{5D96390F-D190-0897-AAC3-6D941A10E943}"/>
+              <a16:creationId xmlns:a16="http://schemas.microsoft.com/office/drawing/2014/main" id="{7960E181-47D0-57F8-D392-1BCC5D381A0E}"/>
             </a:ext>
           </a:extLst>
         </p:cNvPr>
@@ -4416,7 +4417,7 @@
           <p:cNvPr id="6" name="Rectangle 5">
             <a:extLst>
               <a:ext uri="{FF2B5EF4-FFF2-40B4-BE49-F238E27FC236}">
-                <a16:creationId xmlns:a16="http://schemas.microsoft.com/office/drawing/2014/main" id="{8521E9F3-3BC9-09BA-3D43-A5D990A60D5F}"/>
+                <a16:creationId xmlns:a16="http://schemas.microsoft.com/office/drawing/2014/main" id="{B94D56AC-BD74-4EC5-7262-9A34B90A0D1E}"/>
               </a:ext>
             </a:extLst>
           </p:cNvPr>
@@ -4468,7 +4469,7 @@
           <p:cNvPr id="2" name="Slide Number Placeholder 1">
             <a:extLst>
               <a:ext uri="{FF2B5EF4-FFF2-40B4-BE49-F238E27FC236}">
-                <a16:creationId xmlns:a16="http://schemas.microsoft.com/office/drawing/2014/main" id="{8AF01C36-0A7D-2D34-1797-8CA3CED7F62F}"/>
+                <a16:creationId xmlns:a16="http://schemas.microsoft.com/office/drawing/2014/main" id="{A7D02B41-3EAD-857A-D246-F5FBE6084BC5}"/>
               </a:ext>
             </a:extLst>
           </p:cNvPr>
@@ -4516,7 +4517,7 @@
           <p:cNvPr id="4" name="Google Shape;867;p33">
             <a:extLst>
               <a:ext uri="{FF2B5EF4-FFF2-40B4-BE49-F238E27FC236}">
-                <a16:creationId xmlns:a16="http://schemas.microsoft.com/office/drawing/2014/main" id="{11DE9812-0EBD-B4A6-196B-9194BFE31503}"/>
+                <a16:creationId xmlns:a16="http://schemas.microsoft.com/office/drawing/2014/main" id="{D96BEF43-4928-A551-335A-DB0DA87A7118}"/>
               </a:ext>
             </a:extLst>
           </p:cNvPr>
@@ -4803,15 +4804,139 @@
                 <a:latin typeface="Amatic SC" panose="020F0502020204030204" pitchFamily="2" charset="-79"/>
                 <a:cs typeface="Amatic SC" panose="020F0502020204030204" pitchFamily="2" charset="-79"/>
               </a:rPr>
-              <a:t>Slide</a:t>
+              <a:t>Sprites</a:t>
             </a:r>
           </a:p>
         </p:txBody>
       </p:sp>
+      <p:sp>
+        <p:nvSpPr>
+          <p:cNvPr id="5" name="TextBox 4">
+            <a:extLst>
+              <a:ext uri="{FF2B5EF4-FFF2-40B4-BE49-F238E27FC236}">
+                <a16:creationId xmlns:a16="http://schemas.microsoft.com/office/drawing/2014/main" id="{07373E57-5775-2E3A-C5C5-1D93DE5B1624}"/>
+              </a:ext>
+            </a:extLst>
+          </p:cNvPr>
+          <p:cNvSpPr txBox="1"/>
+          <p:nvPr/>
+        </p:nvSpPr>
+        <p:spPr>
+          <a:xfrm>
+            <a:off x="1239736" y="5857296"/>
+            <a:ext cx="4127659" cy="584775"/>
+          </a:xfrm>
+          <a:prstGeom prst="rect">
+            <a:avLst/>
+          </a:prstGeom>
+          <a:noFill/>
+        </p:spPr>
+        <p:txBody>
+          <a:bodyPr wrap="square" rtlCol="0">
+            <a:spAutoFit/>
+          </a:bodyPr>
+          <a:lstStyle/>
+          <a:p>
+            <a:pPr algn="ctr"/>
+            <a:r>
+              <a:rPr lang="en-US" altLang="zh-CN" sz="3200" dirty="0">
+                <a:solidFill>
+                  <a:schemeClr val="bg1">
+                    <a:lumMod val="75000"/>
+                  </a:schemeClr>
+                </a:solidFill>
+                <a:latin typeface="High Tower Text" panose="02040502050506030303" pitchFamily="18" charset="0"/>
+              </a:rPr>
+              <a:t>Second Dinosaur</a:t>
+            </a:r>
+            <a:endParaRPr lang="zh-CN" altLang="en-US" sz="3200" dirty="0">
+              <a:solidFill>
+                <a:schemeClr val="accent2">
+                  <a:lumMod val="40000"/>
+                  <a:lumOff val="60000"/>
+                </a:schemeClr>
+              </a:solidFill>
+              <a:latin typeface="High Tower Text" panose="02040502050506030303" pitchFamily="18" charset="0"/>
+            </a:endParaRPr>
+          </a:p>
+        </p:txBody>
+      </p:sp>
+      <p:pic>
+        <p:nvPicPr>
+          <p:cNvPr id="7" name="Graphic 6">
+            <a:extLst>
+              <a:ext uri="{FF2B5EF4-FFF2-40B4-BE49-F238E27FC236}">
+                <a16:creationId xmlns:a16="http://schemas.microsoft.com/office/drawing/2014/main" id="{E2DF8906-9E6D-6882-3EC6-2DCD265ACDEC}"/>
+              </a:ext>
+            </a:extLst>
+          </p:cNvPr>
+          <p:cNvPicPr>
+            <a:picLocks noChangeAspect="1"/>
+          </p:cNvPicPr>
+          <p:nvPr/>
+        </p:nvPicPr>
+        <p:blipFill>
+          <a:blip r:embed="rId2">
+            <a:extLst>
+              <a:ext uri="{96DAC541-7B7A-43D3-8B79-37D633B846F1}">
+                <asvg:svgBlip xmlns:asvg="http://schemas.microsoft.com/office/drawing/2016/SVG/main" r:embed="rId3"/>
+              </a:ext>
+            </a:extLst>
+          </a:blip>
+          <a:stretch>
+            <a:fillRect/>
+          </a:stretch>
+        </p:blipFill>
+        <p:spPr>
+          <a:xfrm flipH="1">
+            <a:off x="1663066" y="2153559"/>
+            <a:ext cx="3440426" cy="3454283"/>
+          </a:xfrm>
+          <a:prstGeom prst="rect">
+            <a:avLst/>
+          </a:prstGeom>
+        </p:spPr>
+      </p:pic>
+      <p:pic>
+        <p:nvPicPr>
+          <p:cNvPr id="10" name="Picture 9">
+            <a:extLst>
+              <a:ext uri="{FF2B5EF4-FFF2-40B4-BE49-F238E27FC236}">
+                <a16:creationId xmlns:a16="http://schemas.microsoft.com/office/drawing/2014/main" id="{5271315C-9FED-CD97-571E-6511AD33B13F}"/>
+              </a:ext>
+            </a:extLst>
+          </p:cNvPr>
+          <p:cNvPicPr>
+            <a:picLocks noChangeAspect="1"/>
+          </p:cNvPicPr>
+          <p:nvPr/>
+        </p:nvPicPr>
+        <p:blipFill>
+          <a:blip r:embed="rId4">
+            <a:extLst>
+              <a:ext uri="{28A0092B-C50C-407E-A947-70E740481C1C}">
+                <a14:useLocalDpi xmlns:a14="http://schemas.microsoft.com/office/drawing/2010/main" val="0"/>
+              </a:ext>
+            </a:extLst>
+          </a:blip>
+          <a:stretch>
+            <a:fillRect/>
+          </a:stretch>
+        </p:blipFill>
+        <p:spPr>
+          <a:xfrm>
+            <a:off x="7088510" y="2153559"/>
+            <a:ext cx="3735825" cy="4108631"/>
+          </a:xfrm>
+          <a:prstGeom prst="rect">
+            <a:avLst/>
+          </a:prstGeom>
+        </p:spPr>
+      </p:pic>
     </p:spTree>
     <p:extLst>
       <p:ext uri="{BB962C8B-B14F-4D97-AF65-F5344CB8AC3E}">
-        <p14:creationId xmlns:p14="http://schemas.microsoft.com/office/powerpoint/2010/main" val="4284435620"/>
+        <p14:creationId xmlns:p14="http://schemas.microsoft.com/office/powerpoint/2010/main" val="3435478311"/>
       </p:ext>
     </p:extLst>
   </p:cSld>
@@ -4829,7 +4954,7 @@
         <p:cNvPr id="1" name="">
           <a:extLst>
             <a:ext uri="{FF2B5EF4-FFF2-40B4-BE49-F238E27FC236}">
-              <a16:creationId xmlns:a16="http://schemas.microsoft.com/office/drawing/2014/main" id="{C35578D3-B0C1-89E9-9966-F62104F0C031}"/>
+              <a16:creationId xmlns:a16="http://schemas.microsoft.com/office/drawing/2014/main" id="{5D96390F-D190-0897-AAC3-6D941A10E943}"/>
             </a:ext>
           </a:extLst>
         </p:cNvPr>
@@ -4849,7 +4974,7 @@
           <p:cNvPr id="6" name="Rectangle 5">
             <a:extLst>
               <a:ext uri="{FF2B5EF4-FFF2-40B4-BE49-F238E27FC236}">
-                <a16:creationId xmlns:a16="http://schemas.microsoft.com/office/drawing/2014/main" id="{DFBFFABB-D17C-7D59-B0CC-7F30030C127D}"/>
+                <a16:creationId xmlns:a16="http://schemas.microsoft.com/office/drawing/2014/main" id="{8521E9F3-3BC9-09BA-3D43-A5D990A60D5F}"/>
               </a:ext>
             </a:extLst>
           </p:cNvPr>
@@ -4901,7 +5026,7 @@
           <p:cNvPr id="2" name="Slide Number Placeholder 1">
             <a:extLst>
               <a:ext uri="{FF2B5EF4-FFF2-40B4-BE49-F238E27FC236}">
-                <a16:creationId xmlns:a16="http://schemas.microsoft.com/office/drawing/2014/main" id="{84353329-0F74-785A-6A69-9213A7FF55DB}"/>
+                <a16:creationId xmlns:a16="http://schemas.microsoft.com/office/drawing/2014/main" id="{8AF01C36-0A7D-2D34-1797-8CA3CED7F62F}"/>
               </a:ext>
             </a:extLst>
           </p:cNvPr>
@@ -4949,7 +5074,7 @@
           <p:cNvPr id="4" name="Google Shape;867;p33">
             <a:extLst>
               <a:ext uri="{FF2B5EF4-FFF2-40B4-BE49-F238E27FC236}">
-                <a16:creationId xmlns:a16="http://schemas.microsoft.com/office/drawing/2014/main" id="{79153CA3-5797-4558-A5E2-6B1F2F29CECB}"/>
+                <a16:creationId xmlns:a16="http://schemas.microsoft.com/office/drawing/2014/main" id="{11DE9812-0EBD-B4A6-196B-9194BFE31503}"/>
               </a:ext>
             </a:extLst>
           </p:cNvPr>
@@ -5236,15 +5361,123 @@
                 <a:latin typeface="Amatic SC" panose="020F0502020204030204" pitchFamily="2" charset="-79"/>
                 <a:cs typeface="Amatic SC" panose="020F0502020204030204" pitchFamily="2" charset="-79"/>
               </a:rPr>
-              <a:t>Slide</a:t>
+              <a:t>The Stage is Set!</a:t>
             </a:r>
           </a:p>
         </p:txBody>
       </p:sp>
+      <p:pic>
+        <p:nvPicPr>
+          <p:cNvPr id="3" name="Graphic 2">
+            <a:extLst>
+              <a:ext uri="{FF2B5EF4-FFF2-40B4-BE49-F238E27FC236}">
+                <a16:creationId xmlns:a16="http://schemas.microsoft.com/office/drawing/2014/main" id="{F2C78436-FA9D-CC01-267A-4DECA39A020F}"/>
+              </a:ext>
+            </a:extLst>
+          </p:cNvPr>
+          <p:cNvPicPr>
+            <a:picLocks noChangeAspect="1"/>
+          </p:cNvPicPr>
+          <p:nvPr/>
+        </p:nvPicPr>
+        <p:blipFill>
+          <a:blip r:embed="rId2">
+            <a:extLst>
+              <a:ext uri="{96DAC541-7B7A-43D3-8B79-37D633B846F1}">
+                <asvg:svgBlip xmlns:asvg="http://schemas.microsoft.com/office/drawing/2016/SVG/main" r:embed="rId3"/>
+              </a:ext>
+            </a:extLst>
+          </a:blip>
+          <a:stretch>
+            <a:fillRect/>
+          </a:stretch>
+        </p:blipFill>
+        <p:spPr>
+          <a:xfrm>
+            <a:off x="3136999" y="2001516"/>
+            <a:ext cx="5920740" cy="4440555"/>
+          </a:xfrm>
+          <a:prstGeom prst="rect">
+            <a:avLst/>
+          </a:prstGeom>
+        </p:spPr>
+      </p:pic>
+      <p:pic>
+        <p:nvPicPr>
+          <p:cNvPr id="5" name="Graphic 4">
+            <a:extLst>
+              <a:ext uri="{FF2B5EF4-FFF2-40B4-BE49-F238E27FC236}">
+                <a16:creationId xmlns:a16="http://schemas.microsoft.com/office/drawing/2014/main" id="{C818B0E1-D811-CE5E-0C05-B3B131BAC819}"/>
+              </a:ext>
+            </a:extLst>
+          </p:cNvPr>
+          <p:cNvPicPr>
+            <a:picLocks noChangeAspect="1"/>
+          </p:cNvPicPr>
+          <p:nvPr/>
+        </p:nvPicPr>
+        <p:blipFill>
+          <a:blip r:embed="rId4">
+            <a:extLst>
+              <a:ext uri="{96DAC541-7B7A-43D3-8B79-37D633B846F1}">
+                <asvg:svgBlip xmlns:asvg="http://schemas.microsoft.com/office/drawing/2016/SVG/main" r:embed="rId5"/>
+              </a:ext>
+            </a:extLst>
+          </a:blip>
+          <a:stretch>
+            <a:fillRect/>
+          </a:stretch>
+        </p:blipFill>
+        <p:spPr>
+          <a:xfrm>
+            <a:off x="4069672" y="3694436"/>
+            <a:ext cx="2026328" cy="1892611"/>
+          </a:xfrm>
+          <a:prstGeom prst="rect">
+            <a:avLst/>
+          </a:prstGeom>
+        </p:spPr>
+      </p:pic>
+      <p:pic>
+        <p:nvPicPr>
+          <p:cNvPr id="7" name="Graphic 6">
+            <a:extLst>
+              <a:ext uri="{FF2B5EF4-FFF2-40B4-BE49-F238E27FC236}">
+                <a16:creationId xmlns:a16="http://schemas.microsoft.com/office/drawing/2014/main" id="{69EE1C4D-E682-16E2-FF71-CF21AE656665}"/>
+              </a:ext>
+            </a:extLst>
+          </p:cNvPr>
+          <p:cNvPicPr>
+            <a:picLocks noChangeAspect="1"/>
+          </p:cNvPicPr>
+          <p:nvPr/>
+        </p:nvPicPr>
+        <p:blipFill>
+          <a:blip r:embed="rId6">
+            <a:extLst>
+              <a:ext uri="{96DAC541-7B7A-43D3-8B79-37D633B846F1}">
+                <asvg:svgBlip xmlns:asvg="http://schemas.microsoft.com/office/drawing/2016/SVG/main" r:embed="rId7"/>
+              </a:ext>
+            </a:extLst>
+          </a:blip>
+          <a:stretch>
+            <a:fillRect/>
+          </a:stretch>
+        </p:blipFill>
+        <p:spPr>
+          <a:xfrm flipH="1">
+            <a:off x="6677562" y="4107180"/>
+            <a:ext cx="1473930" cy="1479867"/>
+          </a:xfrm>
+          <a:prstGeom prst="rect">
+            <a:avLst/>
+          </a:prstGeom>
+        </p:spPr>
+      </p:pic>
     </p:spTree>
     <p:extLst>
       <p:ext uri="{BB962C8B-B14F-4D97-AF65-F5344CB8AC3E}">
-        <p14:creationId xmlns:p14="http://schemas.microsoft.com/office/powerpoint/2010/main" val="2686626215"/>
+        <p14:creationId xmlns:p14="http://schemas.microsoft.com/office/powerpoint/2010/main" val="4284435620"/>
       </p:ext>
     </p:extLst>
   </p:cSld>
@@ -5262,7 +5495,7 @@
         <p:cNvPr id="1" name="">
           <a:extLst>
             <a:ext uri="{FF2B5EF4-FFF2-40B4-BE49-F238E27FC236}">
-              <a16:creationId xmlns:a16="http://schemas.microsoft.com/office/drawing/2014/main" id="{FCF59A73-DD0D-6FB4-0BDF-0E8F55C8DC8A}"/>
+              <a16:creationId xmlns:a16="http://schemas.microsoft.com/office/drawing/2014/main" id="{C35578D3-B0C1-89E9-9966-F62104F0C031}"/>
             </a:ext>
           </a:extLst>
         </p:cNvPr>
@@ -5282,7 +5515,7 @@
           <p:cNvPr id="6" name="Rectangle 5">
             <a:extLst>
               <a:ext uri="{FF2B5EF4-FFF2-40B4-BE49-F238E27FC236}">
-                <a16:creationId xmlns:a16="http://schemas.microsoft.com/office/drawing/2014/main" id="{3BB2723A-F73D-F194-9A84-01F2F6338356}"/>
+                <a16:creationId xmlns:a16="http://schemas.microsoft.com/office/drawing/2014/main" id="{DFBFFABB-D17C-7D59-B0CC-7F30030C127D}"/>
               </a:ext>
             </a:extLst>
           </p:cNvPr>
@@ -5334,7 +5567,7 @@
           <p:cNvPr id="2" name="Slide Number Placeholder 1">
             <a:extLst>
               <a:ext uri="{FF2B5EF4-FFF2-40B4-BE49-F238E27FC236}">
-                <a16:creationId xmlns:a16="http://schemas.microsoft.com/office/drawing/2014/main" id="{732A55AF-C25E-1314-5FF2-93702F821DF8}"/>
+                <a16:creationId xmlns:a16="http://schemas.microsoft.com/office/drawing/2014/main" id="{84353329-0F74-785A-6A69-9213A7FF55DB}"/>
               </a:ext>
             </a:extLst>
           </p:cNvPr>
@@ -5382,7 +5615,7 @@
           <p:cNvPr id="4" name="Google Shape;867;p33">
             <a:extLst>
               <a:ext uri="{FF2B5EF4-FFF2-40B4-BE49-F238E27FC236}">
-                <a16:creationId xmlns:a16="http://schemas.microsoft.com/office/drawing/2014/main" id="{B608E1C7-5100-927B-0B37-618001740A42}"/>
+                <a16:creationId xmlns:a16="http://schemas.microsoft.com/office/drawing/2014/main" id="{79153CA3-5797-4558-A5E2-6B1F2F29CECB}"/>
               </a:ext>
             </a:extLst>
           </p:cNvPr>
@@ -5677,7 +5910,7 @@
     </p:spTree>
     <p:extLst>
       <p:ext uri="{BB962C8B-B14F-4D97-AF65-F5344CB8AC3E}">
-        <p14:creationId xmlns:p14="http://schemas.microsoft.com/office/powerpoint/2010/main" val="1145370611"/>
+        <p14:creationId xmlns:p14="http://schemas.microsoft.com/office/powerpoint/2010/main" val="2686626215"/>
       </p:ext>
     </p:extLst>
   </p:cSld>
@@ -5695,7 +5928,7 @@
         <p:cNvPr id="1" name="">
           <a:extLst>
             <a:ext uri="{FF2B5EF4-FFF2-40B4-BE49-F238E27FC236}">
-              <a16:creationId xmlns:a16="http://schemas.microsoft.com/office/drawing/2014/main" id="{9ACFE928-0053-7F47-0EC2-28389CBC8200}"/>
+              <a16:creationId xmlns:a16="http://schemas.microsoft.com/office/drawing/2014/main" id="{FCF59A73-DD0D-6FB4-0BDF-0E8F55C8DC8A}"/>
             </a:ext>
           </a:extLst>
         </p:cNvPr>
@@ -5715,7 +5948,7 @@
           <p:cNvPr id="6" name="Rectangle 5">
             <a:extLst>
               <a:ext uri="{FF2B5EF4-FFF2-40B4-BE49-F238E27FC236}">
-                <a16:creationId xmlns:a16="http://schemas.microsoft.com/office/drawing/2014/main" id="{023B104B-32F6-7F5D-F19D-AF392BA74CCA}"/>
+                <a16:creationId xmlns:a16="http://schemas.microsoft.com/office/drawing/2014/main" id="{3BB2723A-F73D-F194-9A84-01F2F6338356}"/>
               </a:ext>
             </a:extLst>
           </p:cNvPr>
@@ -5767,7 +6000,7 @@
           <p:cNvPr id="2" name="Slide Number Placeholder 1">
             <a:extLst>
               <a:ext uri="{FF2B5EF4-FFF2-40B4-BE49-F238E27FC236}">
-                <a16:creationId xmlns:a16="http://schemas.microsoft.com/office/drawing/2014/main" id="{539AE3DC-62C3-520B-3ED4-AE628073689C}"/>
+                <a16:creationId xmlns:a16="http://schemas.microsoft.com/office/drawing/2014/main" id="{732A55AF-C25E-1314-5FF2-93702F821DF8}"/>
               </a:ext>
             </a:extLst>
           </p:cNvPr>
@@ -5815,7 +6048,7 @@
           <p:cNvPr id="4" name="Google Shape;867;p33">
             <a:extLst>
               <a:ext uri="{FF2B5EF4-FFF2-40B4-BE49-F238E27FC236}">
-                <a16:creationId xmlns:a16="http://schemas.microsoft.com/office/drawing/2014/main" id="{E5F35DEF-8F23-7243-8303-CAE3D033A4B4}"/>
+                <a16:creationId xmlns:a16="http://schemas.microsoft.com/office/drawing/2014/main" id="{B608E1C7-5100-927B-0B37-618001740A42}"/>
               </a:ext>
             </a:extLst>
           </p:cNvPr>
@@ -6110,7 +6343,7 @@
     </p:spTree>
     <p:extLst>
       <p:ext uri="{BB962C8B-B14F-4D97-AF65-F5344CB8AC3E}">
-        <p14:creationId xmlns:p14="http://schemas.microsoft.com/office/powerpoint/2010/main" val="1413032703"/>
+        <p14:creationId xmlns:p14="http://schemas.microsoft.com/office/powerpoint/2010/main" val="1145370611"/>
       </p:ext>
     </p:extLst>
   </p:cSld>
@@ -6128,7 +6361,7 @@
         <p:cNvPr id="1" name="">
           <a:extLst>
             <a:ext uri="{FF2B5EF4-FFF2-40B4-BE49-F238E27FC236}">
-              <a16:creationId xmlns:a16="http://schemas.microsoft.com/office/drawing/2014/main" id="{9C47F1AE-D36D-8E4F-B4A7-631FA2CF9C7D}"/>
+              <a16:creationId xmlns:a16="http://schemas.microsoft.com/office/drawing/2014/main" id="{9ACFE928-0053-7F47-0EC2-28389CBC8200}"/>
             </a:ext>
           </a:extLst>
         </p:cNvPr>
@@ -6148,7 +6381,7 @@
           <p:cNvPr id="6" name="Rectangle 5">
             <a:extLst>
               <a:ext uri="{FF2B5EF4-FFF2-40B4-BE49-F238E27FC236}">
-                <a16:creationId xmlns:a16="http://schemas.microsoft.com/office/drawing/2014/main" id="{A6E7F57C-C655-B56D-0AFB-D54C4818F943}"/>
+                <a16:creationId xmlns:a16="http://schemas.microsoft.com/office/drawing/2014/main" id="{023B104B-32F6-7F5D-F19D-AF392BA74CCA}"/>
               </a:ext>
             </a:extLst>
           </p:cNvPr>
@@ -6200,7 +6433,7 @@
           <p:cNvPr id="2" name="Slide Number Placeholder 1">
             <a:extLst>
               <a:ext uri="{FF2B5EF4-FFF2-40B4-BE49-F238E27FC236}">
-                <a16:creationId xmlns:a16="http://schemas.microsoft.com/office/drawing/2014/main" id="{91ECD857-C40D-5E25-65AD-47D2E7BE743F}"/>
+                <a16:creationId xmlns:a16="http://schemas.microsoft.com/office/drawing/2014/main" id="{539AE3DC-62C3-520B-3ED4-AE628073689C}"/>
               </a:ext>
             </a:extLst>
           </p:cNvPr>
@@ -6248,7 +6481,7 @@
           <p:cNvPr id="4" name="Google Shape;867;p33">
             <a:extLst>
               <a:ext uri="{FF2B5EF4-FFF2-40B4-BE49-F238E27FC236}">
-                <a16:creationId xmlns:a16="http://schemas.microsoft.com/office/drawing/2014/main" id="{62C3B271-A618-41CA-6D6C-410F0E1E9DB8}"/>
+                <a16:creationId xmlns:a16="http://schemas.microsoft.com/office/drawing/2014/main" id="{E5F35DEF-8F23-7243-8303-CAE3D033A4B4}"/>
               </a:ext>
             </a:extLst>
           </p:cNvPr>
@@ -6543,7 +6776,7 @@
     </p:spTree>
     <p:extLst>
       <p:ext uri="{BB962C8B-B14F-4D97-AF65-F5344CB8AC3E}">
-        <p14:creationId xmlns:p14="http://schemas.microsoft.com/office/powerpoint/2010/main" val="290746515"/>
+        <p14:creationId xmlns:p14="http://schemas.microsoft.com/office/powerpoint/2010/main" val="1413032703"/>
       </p:ext>
     </p:extLst>
   </p:cSld>
@@ -6561,7 +6794,7 @@
         <p:cNvPr id="1" name="">
           <a:extLst>
             <a:ext uri="{FF2B5EF4-FFF2-40B4-BE49-F238E27FC236}">
-              <a16:creationId xmlns:a16="http://schemas.microsoft.com/office/drawing/2014/main" id="{5DC13E9F-3125-6645-315A-73FE7071C8A2}"/>
+              <a16:creationId xmlns:a16="http://schemas.microsoft.com/office/drawing/2014/main" id="{9C47F1AE-D36D-8E4F-B4A7-631FA2CF9C7D}"/>
             </a:ext>
           </a:extLst>
         </p:cNvPr>
@@ -6581,7 +6814,7 @@
           <p:cNvPr id="6" name="Rectangle 5">
             <a:extLst>
               <a:ext uri="{FF2B5EF4-FFF2-40B4-BE49-F238E27FC236}">
-                <a16:creationId xmlns:a16="http://schemas.microsoft.com/office/drawing/2014/main" id="{E73F990D-1A38-F9AD-0674-6820C24C0A60}"/>
+                <a16:creationId xmlns:a16="http://schemas.microsoft.com/office/drawing/2014/main" id="{A6E7F57C-C655-B56D-0AFB-D54C4818F943}"/>
               </a:ext>
             </a:extLst>
           </p:cNvPr>
@@ -6633,7 +6866,7 @@
           <p:cNvPr id="2" name="Slide Number Placeholder 1">
             <a:extLst>
               <a:ext uri="{FF2B5EF4-FFF2-40B4-BE49-F238E27FC236}">
-                <a16:creationId xmlns:a16="http://schemas.microsoft.com/office/drawing/2014/main" id="{D01AFACC-04C4-4622-5946-924E41AF750B}"/>
+                <a16:creationId xmlns:a16="http://schemas.microsoft.com/office/drawing/2014/main" id="{91ECD857-C40D-5E25-65AD-47D2E7BE743F}"/>
               </a:ext>
             </a:extLst>
           </p:cNvPr>
@@ -6681,7 +6914,7 @@
           <p:cNvPr id="4" name="Google Shape;867;p33">
             <a:extLst>
               <a:ext uri="{FF2B5EF4-FFF2-40B4-BE49-F238E27FC236}">
-                <a16:creationId xmlns:a16="http://schemas.microsoft.com/office/drawing/2014/main" id="{7C5BA6EE-0E29-6E89-D6A5-E9040E1DA367}"/>
+                <a16:creationId xmlns:a16="http://schemas.microsoft.com/office/drawing/2014/main" id="{62C3B271-A618-41CA-6D6C-410F0E1E9DB8}"/>
               </a:ext>
             </a:extLst>
           </p:cNvPr>
@@ -6976,7 +7209,7 @@
     </p:spTree>
     <p:extLst>
       <p:ext uri="{BB962C8B-B14F-4D97-AF65-F5344CB8AC3E}">
-        <p14:creationId xmlns:p14="http://schemas.microsoft.com/office/powerpoint/2010/main" val="3135002480"/>
+        <p14:creationId xmlns:p14="http://schemas.microsoft.com/office/powerpoint/2010/main" val="290746515"/>
       </p:ext>
     </p:extLst>
   </p:cSld>
@@ -6994,7 +7227,7 @@
         <p:cNvPr id="1" name="">
           <a:extLst>
             <a:ext uri="{FF2B5EF4-FFF2-40B4-BE49-F238E27FC236}">
-              <a16:creationId xmlns:a16="http://schemas.microsoft.com/office/drawing/2014/main" id="{00A25FE8-2FAC-BB41-41AD-3099861F044E}"/>
+              <a16:creationId xmlns:a16="http://schemas.microsoft.com/office/drawing/2014/main" id="{5DC13E9F-3125-6645-315A-73FE7071C8A2}"/>
             </a:ext>
           </a:extLst>
         </p:cNvPr>
@@ -7014,7 +7247,7 @@
           <p:cNvPr id="6" name="Rectangle 5">
             <a:extLst>
               <a:ext uri="{FF2B5EF4-FFF2-40B4-BE49-F238E27FC236}">
-                <a16:creationId xmlns:a16="http://schemas.microsoft.com/office/drawing/2014/main" id="{B50761AD-6C9C-81F5-7FD2-BD7095ACD1C3}"/>
+                <a16:creationId xmlns:a16="http://schemas.microsoft.com/office/drawing/2014/main" id="{E73F990D-1A38-F9AD-0674-6820C24C0A60}"/>
               </a:ext>
             </a:extLst>
           </p:cNvPr>
@@ -7066,7 +7299,7 @@
           <p:cNvPr id="2" name="Slide Number Placeholder 1">
             <a:extLst>
               <a:ext uri="{FF2B5EF4-FFF2-40B4-BE49-F238E27FC236}">
-                <a16:creationId xmlns:a16="http://schemas.microsoft.com/office/drawing/2014/main" id="{FFEA47C2-9EB3-E6B2-6CC7-5F58F691D7C3}"/>
+                <a16:creationId xmlns:a16="http://schemas.microsoft.com/office/drawing/2014/main" id="{D01AFACC-04C4-4622-5946-924E41AF750B}"/>
               </a:ext>
             </a:extLst>
           </p:cNvPr>
@@ -7114,7 +7347,7 @@
           <p:cNvPr id="4" name="Google Shape;867;p33">
             <a:extLst>
               <a:ext uri="{FF2B5EF4-FFF2-40B4-BE49-F238E27FC236}">
-                <a16:creationId xmlns:a16="http://schemas.microsoft.com/office/drawing/2014/main" id="{4F88F18A-77BA-9CB9-8763-9715C33E66D2}"/>
+                <a16:creationId xmlns:a16="http://schemas.microsoft.com/office/drawing/2014/main" id="{7C5BA6EE-0E29-6E89-D6A5-E9040E1DA367}"/>
               </a:ext>
             </a:extLst>
           </p:cNvPr>
@@ -7409,7 +7642,7 @@
     </p:spTree>
     <p:extLst>
       <p:ext uri="{BB962C8B-B14F-4D97-AF65-F5344CB8AC3E}">
-        <p14:creationId xmlns:p14="http://schemas.microsoft.com/office/powerpoint/2010/main" val="1085409796"/>
+        <p14:creationId xmlns:p14="http://schemas.microsoft.com/office/powerpoint/2010/main" val="3135002480"/>
       </p:ext>
     </p:extLst>
   </p:cSld>
@@ -7427,7 +7660,7 @@
         <p:cNvPr id="1" name="">
           <a:extLst>
             <a:ext uri="{FF2B5EF4-FFF2-40B4-BE49-F238E27FC236}">
-              <a16:creationId xmlns:a16="http://schemas.microsoft.com/office/drawing/2014/main" id="{A74FA16E-BD50-EFB3-E27C-F1DF729B44F9}"/>
+              <a16:creationId xmlns:a16="http://schemas.microsoft.com/office/drawing/2014/main" id="{00A25FE8-2FAC-BB41-41AD-3099861F044E}"/>
             </a:ext>
           </a:extLst>
         </p:cNvPr>
@@ -7447,7 +7680,7 @@
           <p:cNvPr id="6" name="Rectangle 5">
             <a:extLst>
               <a:ext uri="{FF2B5EF4-FFF2-40B4-BE49-F238E27FC236}">
-                <a16:creationId xmlns:a16="http://schemas.microsoft.com/office/drawing/2014/main" id="{450CE448-0F74-DC2C-AC8A-F9B54AF37CAE}"/>
+                <a16:creationId xmlns:a16="http://schemas.microsoft.com/office/drawing/2014/main" id="{B50761AD-6C9C-81F5-7FD2-BD7095ACD1C3}"/>
               </a:ext>
             </a:extLst>
           </p:cNvPr>
@@ -7499,7 +7732,7 @@
           <p:cNvPr id="2" name="Slide Number Placeholder 1">
             <a:extLst>
               <a:ext uri="{FF2B5EF4-FFF2-40B4-BE49-F238E27FC236}">
-                <a16:creationId xmlns:a16="http://schemas.microsoft.com/office/drawing/2014/main" id="{1D87AE78-5F59-0BC6-C8C4-FA6A8A4AB825}"/>
+                <a16:creationId xmlns:a16="http://schemas.microsoft.com/office/drawing/2014/main" id="{FFEA47C2-9EB3-E6B2-6CC7-5F58F691D7C3}"/>
               </a:ext>
             </a:extLst>
           </p:cNvPr>
@@ -7547,7 +7780,7 @@
           <p:cNvPr id="4" name="Google Shape;867;p33">
             <a:extLst>
               <a:ext uri="{FF2B5EF4-FFF2-40B4-BE49-F238E27FC236}">
-                <a16:creationId xmlns:a16="http://schemas.microsoft.com/office/drawing/2014/main" id="{B5A42B63-23A6-3260-ED83-E210F0D9CB38}"/>
+                <a16:creationId xmlns:a16="http://schemas.microsoft.com/office/drawing/2014/main" id="{4F88F18A-77BA-9CB9-8763-9715C33E66D2}"/>
               </a:ext>
             </a:extLst>
           </p:cNvPr>
@@ -7842,7 +8075,7 @@
     </p:spTree>
     <p:extLst>
       <p:ext uri="{BB962C8B-B14F-4D97-AF65-F5344CB8AC3E}">
-        <p14:creationId xmlns:p14="http://schemas.microsoft.com/office/powerpoint/2010/main" val="2668831072"/>
+        <p14:creationId xmlns:p14="http://schemas.microsoft.com/office/powerpoint/2010/main" val="1085409796"/>
       </p:ext>
     </p:extLst>
   </p:cSld>
@@ -7860,7 +8093,7 @@
         <p:cNvPr id="1" name="">
           <a:extLst>
             <a:ext uri="{FF2B5EF4-FFF2-40B4-BE49-F238E27FC236}">
-              <a16:creationId xmlns:a16="http://schemas.microsoft.com/office/drawing/2014/main" id="{12EF0183-0E18-5ABC-6129-A881B605F973}"/>
+              <a16:creationId xmlns:a16="http://schemas.microsoft.com/office/drawing/2014/main" id="{A74FA16E-BD50-EFB3-E27C-F1DF729B44F9}"/>
             </a:ext>
           </a:extLst>
         </p:cNvPr>
@@ -7880,7 +8113,7 @@
           <p:cNvPr id="6" name="Rectangle 5">
             <a:extLst>
               <a:ext uri="{FF2B5EF4-FFF2-40B4-BE49-F238E27FC236}">
-                <a16:creationId xmlns:a16="http://schemas.microsoft.com/office/drawing/2014/main" id="{CFA3EC5A-7240-1C31-3630-296D0D70E8BC}"/>
+                <a16:creationId xmlns:a16="http://schemas.microsoft.com/office/drawing/2014/main" id="{450CE448-0F74-DC2C-AC8A-F9B54AF37CAE}"/>
               </a:ext>
             </a:extLst>
           </p:cNvPr>
@@ -7932,7 +8165,7 @@
           <p:cNvPr id="2" name="Slide Number Placeholder 1">
             <a:extLst>
               <a:ext uri="{FF2B5EF4-FFF2-40B4-BE49-F238E27FC236}">
-                <a16:creationId xmlns:a16="http://schemas.microsoft.com/office/drawing/2014/main" id="{118B1F60-EDD0-739C-DC85-9E59A1870F84}"/>
+                <a16:creationId xmlns:a16="http://schemas.microsoft.com/office/drawing/2014/main" id="{1D87AE78-5F59-0BC6-C8C4-FA6A8A4AB825}"/>
               </a:ext>
             </a:extLst>
           </p:cNvPr>
@@ -7980,7 +8213,7 @@
           <p:cNvPr id="4" name="Google Shape;867;p33">
             <a:extLst>
               <a:ext uri="{FF2B5EF4-FFF2-40B4-BE49-F238E27FC236}">
-                <a16:creationId xmlns:a16="http://schemas.microsoft.com/office/drawing/2014/main" id="{CB14BA2A-C44D-E1CE-56D8-A134DC4BEF85}"/>
+                <a16:creationId xmlns:a16="http://schemas.microsoft.com/office/drawing/2014/main" id="{B5A42B63-23A6-3260-ED83-E210F0D9CB38}"/>
               </a:ext>
             </a:extLst>
           </p:cNvPr>
@@ -8275,7 +8508,7 @@
     </p:spTree>
     <p:extLst>
       <p:ext uri="{BB962C8B-B14F-4D97-AF65-F5344CB8AC3E}">
-        <p14:creationId xmlns:p14="http://schemas.microsoft.com/office/powerpoint/2010/main" val="3142945944"/>
+        <p14:creationId xmlns:p14="http://schemas.microsoft.com/office/powerpoint/2010/main" val="2668831072"/>
       </p:ext>
     </p:extLst>
   </p:cSld>
@@ -8293,7 +8526,7 @@
         <p:cNvPr id="1" name="">
           <a:extLst>
             <a:ext uri="{FF2B5EF4-FFF2-40B4-BE49-F238E27FC236}">
-              <a16:creationId xmlns:a16="http://schemas.microsoft.com/office/drawing/2014/main" id="{3F7B5734-4E82-86B3-129B-DB6CA19BCAAF}"/>
+              <a16:creationId xmlns:a16="http://schemas.microsoft.com/office/drawing/2014/main" id="{12EF0183-0E18-5ABC-6129-A881B605F973}"/>
             </a:ext>
           </a:extLst>
         </p:cNvPr>
@@ -8313,7 +8546,7 @@
           <p:cNvPr id="6" name="Rectangle 5">
             <a:extLst>
               <a:ext uri="{FF2B5EF4-FFF2-40B4-BE49-F238E27FC236}">
-                <a16:creationId xmlns:a16="http://schemas.microsoft.com/office/drawing/2014/main" id="{325BF3FC-95B5-6D81-1924-C315792AFAEC}"/>
+                <a16:creationId xmlns:a16="http://schemas.microsoft.com/office/drawing/2014/main" id="{CFA3EC5A-7240-1C31-3630-296D0D70E8BC}"/>
               </a:ext>
             </a:extLst>
           </p:cNvPr>
@@ -8365,7 +8598,7 @@
           <p:cNvPr id="2" name="Slide Number Placeholder 1">
             <a:extLst>
               <a:ext uri="{FF2B5EF4-FFF2-40B4-BE49-F238E27FC236}">
-                <a16:creationId xmlns:a16="http://schemas.microsoft.com/office/drawing/2014/main" id="{D37BB923-901D-9DE7-2387-ABD8FBF78DB8}"/>
+                <a16:creationId xmlns:a16="http://schemas.microsoft.com/office/drawing/2014/main" id="{118B1F60-EDD0-739C-DC85-9E59A1870F84}"/>
               </a:ext>
             </a:extLst>
           </p:cNvPr>
@@ -8413,7 +8646,7 @@
           <p:cNvPr id="4" name="Google Shape;867;p33">
             <a:extLst>
               <a:ext uri="{FF2B5EF4-FFF2-40B4-BE49-F238E27FC236}">
-                <a16:creationId xmlns:a16="http://schemas.microsoft.com/office/drawing/2014/main" id="{5D020871-EA66-2950-D448-FBD79843D1EC}"/>
+                <a16:creationId xmlns:a16="http://schemas.microsoft.com/office/drawing/2014/main" id="{CB14BA2A-C44D-E1CE-56D8-A134DC4BEF85}"/>
               </a:ext>
             </a:extLst>
           </p:cNvPr>
@@ -8708,7 +8941,7 @@
     </p:spTree>
     <p:extLst>
       <p:ext uri="{BB962C8B-B14F-4D97-AF65-F5344CB8AC3E}">
-        <p14:creationId xmlns:p14="http://schemas.microsoft.com/office/powerpoint/2010/main" val="1220200421"/>
+        <p14:creationId xmlns:p14="http://schemas.microsoft.com/office/powerpoint/2010/main" val="3142945944"/>
       </p:ext>
     </p:extLst>
   </p:cSld>
@@ -9159,7 +9392,7 @@
         <p:cNvPr id="1" name="">
           <a:extLst>
             <a:ext uri="{FF2B5EF4-FFF2-40B4-BE49-F238E27FC236}">
-              <a16:creationId xmlns:a16="http://schemas.microsoft.com/office/drawing/2014/main" id="{D97F2588-5EC4-174E-2C65-D35EBB1552A1}"/>
+              <a16:creationId xmlns:a16="http://schemas.microsoft.com/office/drawing/2014/main" id="{3F7B5734-4E82-86B3-129B-DB6CA19BCAAF}"/>
             </a:ext>
           </a:extLst>
         </p:cNvPr>
@@ -9179,7 +9412,7 @@
           <p:cNvPr id="6" name="Rectangle 5">
             <a:extLst>
               <a:ext uri="{FF2B5EF4-FFF2-40B4-BE49-F238E27FC236}">
-                <a16:creationId xmlns:a16="http://schemas.microsoft.com/office/drawing/2014/main" id="{FE03AB08-EC1E-52FB-3A1E-3BA5E30E46A1}"/>
+                <a16:creationId xmlns:a16="http://schemas.microsoft.com/office/drawing/2014/main" id="{325BF3FC-95B5-6D81-1924-C315792AFAEC}"/>
               </a:ext>
             </a:extLst>
           </p:cNvPr>
@@ -9231,7 +9464,7 @@
           <p:cNvPr id="2" name="Slide Number Placeholder 1">
             <a:extLst>
               <a:ext uri="{FF2B5EF4-FFF2-40B4-BE49-F238E27FC236}">
-                <a16:creationId xmlns:a16="http://schemas.microsoft.com/office/drawing/2014/main" id="{1330AFFD-3825-D11F-2EFA-46616633A490}"/>
+                <a16:creationId xmlns:a16="http://schemas.microsoft.com/office/drawing/2014/main" id="{D37BB923-901D-9DE7-2387-ABD8FBF78DB8}"/>
               </a:ext>
             </a:extLst>
           </p:cNvPr>
@@ -9279,7 +9512,7 @@
           <p:cNvPr id="4" name="Google Shape;867;p33">
             <a:extLst>
               <a:ext uri="{FF2B5EF4-FFF2-40B4-BE49-F238E27FC236}">
-                <a16:creationId xmlns:a16="http://schemas.microsoft.com/office/drawing/2014/main" id="{E64386AE-F363-077D-013F-8FD8B9FDDB60}"/>
+                <a16:creationId xmlns:a16="http://schemas.microsoft.com/office/drawing/2014/main" id="{5D020871-EA66-2950-D448-FBD79843D1EC}"/>
               </a:ext>
             </a:extLst>
           </p:cNvPr>
@@ -9574,7 +9807,7 @@
     </p:spTree>
     <p:extLst>
       <p:ext uri="{BB962C8B-B14F-4D97-AF65-F5344CB8AC3E}">
-        <p14:creationId xmlns:p14="http://schemas.microsoft.com/office/powerpoint/2010/main" val="3525116433"/>
+        <p14:creationId xmlns:p14="http://schemas.microsoft.com/office/powerpoint/2010/main" val="1220200421"/>
       </p:ext>
     </p:extLst>
   </p:cSld>
@@ -9592,7 +9825,7 @@
         <p:cNvPr id="1" name="">
           <a:extLst>
             <a:ext uri="{FF2B5EF4-FFF2-40B4-BE49-F238E27FC236}">
-              <a16:creationId xmlns:a16="http://schemas.microsoft.com/office/drawing/2014/main" id="{F1CC29AE-B4D6-7A98-98C3-021FB922A099}"/>
+              <a16:creationId xmlns:a16="http://schemas.microsoft.com/office/drawing/2014/main" id="{D97F2588-5EC4-174E-2C65-D35EBB1552A1}"/>
             </a:ext>
           </a:extLst>
         </p:cNvPr>
@@ -9612,7 +9845,7 @@
           <p:cNvPr id="6" name="Rectangle 5">
             <a:extLst>
               <a:ext uri="{FF2B5EF4-FFF2-40B4-BE49-F238E27FC236}">
-                <a16:creationId xmlns:a16="http://schemas.microsoft.com/office/drawing/2014/main" id="{D6EF080A-6C75-B648-BCA5-3130163AB857}"/>
+                <a16:creationId xmlns:a16="http://schemas.microsoft.com/office/drawing/2014/main" id="{FE03AB08-EC1E-52FB-3A1E-3BA5E30E46A1}"/>
               </a:ext>
             </a:extLst>
           </p:cNvPr>
@@ -9664,7 +9897,7 @@
           <p:cNvPr id="2" name="Slide Number Placeholder 1">
             <a:extLst>
               <a:ext uri="{FF2B5EF4-FFF2-40B4-BE49-F238E27FC236}">
-                <a16:creationId xmlns:a16="http://schemas.microsoft.com/office/drawing/2014/main" id="{C808B0D2-A9F8-EB83-A808-6870D0179ECB}"/>
+                <a16:creationId xmlns:a16="http://schemas.microsoft.com/office/drawing/2014/main" id="{1330AFFD-3825-D11F-2EFA-46616633A490}"/>
               </a:ext>
             </a:extLst>
           </p:cNvPr>
@@ -9712,7 +9945,7 @@
           <p:cNvPr id="4" name="Google Shape;867;p33">
             <a:extLst>
               <a:ext uri="{FF2B5EF4-FFF2-40B4-BE49-F238E27FC236}">
-                <a16:creationId xmlns:a16="http://schemas.microsoft.com/office/drawing/2014/main" id="{856E9B05-B0D7-00AA-EFCA-F842F63EDDB9}"/>
+                <a16:creationId xmlns:a16="http://schemas.microsoft.com/office/drawing/2014/main" id="{E64386AE-F363-077D-013F-8FD8B9FDDB60}"/>
               </a:ext>
             </a:extLst>
           </p:cNvPr>
@@ -10007,7 +10240,7 @@
     </p:spTree>
     <p:extLst>
       <p:ext uri="{BB962C8B-B14F-4D97-AF65-F5344CB8AC3E}">
-        <p14:creationId xmlns:p14="http://schemas.microsoft.com/office/powerpoint/2010/main" val="996386104"/>
+        <p14:creationId xmlns:p14="http://schemas.microsoft.com/office/powerpoint/2010/main" val="3525116433"/>
       </p:ext>
     </p:extLst>
   </p:cSld>
@@ -10025,7 +10258,7 @@
         <p:cNvPr id="1" name="">
           <a:extLst>
             <a:ext uri="{FF2B5EF4-FFF2-40B4-BE49-F238E27FC236}">
-              <a16:creationId xmlns:a16="http://schemas.microsoft.com/office/drawing/2014/main" id="{B0638B88-A28D-0D98-6790-AFD73D028E78}"/>
+              <a16:creationId xmlns:a16="http://schemas.microsoft.com/office/drawing/2014/main" id="{F1CC29AE-B4D6-7A98-98C3-021FB922A099}"/>
             </a:ext>
           </a:extLst>
         </p:cNvPr>
@@ -10045,7 +10278,7 @@
           <p:cNvPr id="6" name="Rectangle 5">
             <a:extLst>
               <a:ext uri="{FF2B5EF4-FFF2-40B4-BE49-F238E27FC236}">
-                <a16:creationId xmlns:a16="http://schemas.microsoft.com/office/drawing/2014/main" id="{52E115B1-EE40-3BB7-072F-C694ABBC3CDA}"/>
+                <a16:creationId xmlns:a16="http://schemas.microsoft.com/office/drawing/2014/main" id="{D6EF080A-6C75-B648-BCA5-3130163AB857}"/>
               </a:ext>
             </a:extLst>
           </p:cNvPr>
@@ -10097,7 +10330,7 @@
           <p:cNvPr id="2" name="Slide Number Placeholder 1">
             <a:extLst>
               <a:ext uri="{FF2B5EF4-FFF2-40B4-BE49-F238E27FC236}">
-                <a16:creationId xmlns:a16="http://schemas.microsoft.com/office/drawing/2014/main" id="{6B14C209-5E11-9F64-6579-48902F3047ED}"/>
+                <a16:creationId xmlns:a16="http://schemas.microsoft.com/office/drawing/2014/main" id="{C808B0D2-A9F8-EB83-A808-6870D0179ECB}"/>
               </a:ext>
             </a:extLst>
           </p:cNvPr>
@@ -10145,7 +10378,7 @@
           <p:cNvPr id="4" name="Google Shape;867;p33">
             <a:extLst>
               <a:ext uri="{FF2B5EF4-FFF2-40B4-BE49-F238E27FC236}">
-                <a16:creationId xmlns:a16="http://schemas.microsoft.com/office/drawing/2014/main" id="{8C54911E-C7A1-4CEC-EBF1-0B16D4B61B9B}"/>
+                <a16:creationId xmlns:a16="http://schemas.microsoft.com/office/drawing/2014/main" id="{856E9B05-B0D7-00AA-EFCA-F842F63EDDB9}"/>
               </a:ext>
             </a:extLst>
           </p:cNvPr>
@@ -10432,115 +10665,15 @@
                 <a:latin typeface="Amatic SC" panose="020F0502020204030204" pitchFamily="2" charset="-79"/>
                 <a:cs typeface="Amatic SC" panose="020F0502020204030204" pitchFamily="2" charset="-79"/>
               </a:rPr>
-              <a:t>What we learnt…</a:t>
+              <a:t>Slide</a:t>
             </a:r>
           </a:p>
         </p:txBody>
       </p:sp>
-      <p:sp>
-        <p:nvSpPr>
-          <p:cNvPr id="7" name="TextBox 6">
-            <a:extLst>
-              <a:ext uri="{FF2B5EF4-FFF2-40B4-BE49-F238E27FC236}">
-                <a16:creationId xmlns:a16="http://schemas.microsoft.com/office/drawing/2014/main" id="{746CF1E8-DC14-458F-9658-3E32EF64E0E4}"/>
-              </a:ext>
-            </a:extLst>
-          </p:cNvPr>
-          <p:cNvSpPr txBox="1"/>
-          <p:nvPr/>
-        </p:nvSpPr>
-        <p:spPr>
-          <a:xfrm>
-            <a:off x="1572958" y="2780121"/>
-            <a:ext cx="4048530" cy="2800767"/>
-          </a:xfrm>
-          <a:prstGeom prst="rect">
-            <a:avLst/>
-          </a:prstGeom>
-          <a:noFill/>
-        </p:spPr>
-        <p:txBody>
-          <a:bodyPr wrap="square" rtlCol="0">
-            <a:spAutoFit/>
-          </a:bodyPr>
-          <a:lstStyle/>
-          <a:p>
-            <a:pPr algn="ctr"/>
-            <a:r>
-              <a:rPr lang="en-US" altLang="zh-CN" sz="4400" dirty="0">
-                <a:solidFill>
-                  <a:schemeClr val="bg1">
-                    <a:lumMod val="75000"/>
-                  </a:schemeClr>
-                </a:solidFill>
-                <a:latin typeface="High Tower Text" panose="02040502050506030303" pitchFamily="18" charset="0"/>
-              </a:rPr>
-              <a:t>How to control game character with keyboard </a:t>
-            </a:r>
-            <a:r>
-              <a:rPr lang="en-US" altLang="zh-CN" sz="4400" dirty="0">
-                <a:solidFill>
-                  <a:schemeClr val="accent2">
-                    <a:lumMod val="40000"/>
-                    <a:lumOff val="60000"/>
-                  </a:schemeClr>
-                </a:solidFill>
-                <a:latin typeface="High Tower Text" panose="02040502050506030303" pitchFamily="18" charset="0"/>
-              </a:rPr>
-              <a:t>keys</a:t>
-            </a:r>
-            <a:endParaRPr lang="zh-CN" altLang="en-US" sz="4400" dirty="0">
-              <a:solidFill>
-                <a:schemeClr val="accent2">
-                  <a:lumMod val="40000"/>
-                  <a:lumOff val="60000"/>
-                </a:schemeClr>
-              </a:solidFill>
-              <a:latin typeface="High Tower Text" panose="02040502050506030303" pitchFamily="18" charset="0"/>
-            </a:endParaRPr>
-          </a:p>
-        </p:txBody>
-      </p:sp>
-      <p:pic>
-        <p:nvPicPr>
-          <p:cNvPr id="3" name="Picture 2">
-            <a:extLst>
-              <a:ext uri="{FF2B5EF4-FFF2-40B4-BE49-F238E27FC236}">
-                <a16:creationId xmlns:a16="http://schemas.microsoft.com/office/drawing/2014/main" id="{2EF608FA-8F30-DA87-86AE-3B8959BAD105}"/>
-              </a:ext>
-            </a:extLst>
-          </p:cNvPr>
-          <p:cNvPicPr>
-            <a:picLocks noChangeAspect="1"/>
-          </p:cNvPicPr>
-          <p:nvPr/>
-        </p:nvPicPr>
-        <p:blipFill>
-          <a:blip r:embed="rId2">
-            <a:extLst>
-              <a:ext uri="{28A0092B-C50C-407E-A947-70E740481C1C}">
-                <a14:useLocalDpi xmlns:a14="http://schemas.microsoft.com/office/drawing/2010/main" val="0"/>
-              </a:ext>
-            </a:extLst>
-          </a:blip>
-          <a:stretch>
-            <a:fillRect/>
-          </a:stretch>
-        </p:blipFill>
-        <p:spPr>
-          <a:xfrm>
-            <a:off x="6912329" y="3512536"/>
-            <a:ext cx="3653302" cy="980687"/>
-          </a:xfrm>
-          <a:prstGeom prst="rect">
-            <a:avLst/>
-          </a:prstGeom>
-        </p:spPr>
-      </p:pic>
     </p:spTree>
     <p:extLst>
       <p:ext uri="{BB962C8B-B14F-4D97-AF65-F5344CB8AC3E}">
-        <p14:creationId xmlns:p14="http://schemas.microsoft.com/office/powerpoint/2010/main" val="2768751716"/>
+        <p14:creationId xmlns:p14="http://schemas.microsoft.com/office/powerpoint/2010/main" val="996386104"/>
       </p:ext>
     </p:extLst>
   </p:cSld>
@@ -10558,7 +10691,7 @@
         <p:cNvPr id="1" name="">
           <a:extLst>
             <a:ext uri="{FF2B5EF4-FFF2-40B4-BE49-F238E27FC236}">
-              <a16:creationId xmlns:a16="http://schemas.microsoft.com/office/drawing/2014/main" id="{439729EC-4C6B-88B5-8AD4-63F33400D47A}"/>
+              <a16:creationId xmlns:a16="http://schemas.microsoft.com/office/drawing/2014/main" id="{B0638B88-A28D-0D98-6790-AFD73D028E78}"/>
             </a:ext>
           </a:extLst>
         </p:cNvPr>
@@ -10578,7 +10711,7 @@
           <p:cNvPr id="6" name="Rectangle 5">
             <a:extLst>
               <a:ext uri="{FF2B5EF4-FFF2-40B4-BE49-F238E27FC236}">
-                <a16:creationId xmlns:a16="http://schemas.microsoft.com/office/drawing/2014/main" id="{1E9B8AFB-FA38-ABD7-DD26-B318B6DCB5C9}"/>
+                <a16:creationId xmlns:a16="http://schemas.microsoft.com/office/drawing/2014/main" id="{52E115B1-EE40-3BB7-072F-C694ABBC3CDA}"/>
               </a:ext>
             </a:extLst>
           </p:cNvPr>
@@ -10627,10 +10760,58 @@
       </p:sp>
       <p:sp>
         <p:nvSpPr>
+          <p:cNvPr id="2" name="Slide Number Placeholder 1">
+            <a:extLst>
+              <a:ext uri="{FF2B5EF4-FFF2-40B4-BE49-F238E27FC236}">
+                <a16:creationId xmlns:a16="http://schemas.microsoft.com/office/drawing/2014/main" id="{6B14C209-5E11-9F64-6579-48902F3047ED}"/>
+              </a:ext>
+            </a:extLst>
+          </p:cNvPr>
+          <p:cNvSpPr>
+            <a:spLocks noGrp="1"/>
+          </p:cNvSpPr>
+          <p:nvPr>
+            <p:ph type="sldNum" sz="quarter" idx="12"/>
+          </p:nvPr>
+        </p:nvSpPr>
+        <p:spPr>
+          <a:xfrm>
+            <a:off x="9057739" y="6259509"/>
+            <a:ext cx="2743200" cy="365125"/>
+          </a:xfrm>
+        </p:spPr>
+        <p:txBody>
+          <a:bodyPr/>
+          <a:lstStyle/>
+          <a:p>
+            <a:fld id="{9B1EC109-1E15-4BCA-93B5-56442BB3443E}" type="slidenum">
+              <a:rPr lang="zh-CN" altLang="en-US" sz="2400" b="1" smtClean="0">
+                <a:solidFill>
+                  <a:schemeClr val="bg1">
+                    <a:lumMod val="65000"/>
+                  </a:schemeClr>
+                </a:solidFill>
+                <a:latin typeface="Bradley Hand ITC" panose="03070402050302030203" pitchFamily="66" charset="0"/>
+              </a:rPr>
+              <a:t>23</a:t>
+            </a:fld>
+            <a:endParaRPr lang="zh-CN" altLang="en-US" sz="2400" b="1" dirty="0">
+              <a:solidFill>
+                <a:schemeClr val="bg1">
+                  <a:lumMod val="65000"/>
+                </a:schemeClr>
+              </a:solidFill>
+              <a:latin typeface="Bradley Hand ITC" panose="03070402050302030203" pitchFamily="66" charset="0"/>
+            </a:endParaRPr>
+          </a:p>
+        </p:txBody>
+      </p:sp>
+      <p:sp>
+        <p:nvSpPr>
           <p:cNvPr id="4" name="Google Shape;867;p33">
             <a:extLst>
               <a:ext uri="{FF2B5EF4-FFF2-40B4-BE49-F238E27FC236}">
-                <a16:creationId xmlns:a16="http://schemas.microsoft.com/office/drawing/2014/main" id="{5613379B-9C50-F409-A420-BD9DE9831028}"/>
+                <a16:creationId xmlns:a16="http://schemas.microsoft.com/office/drawing/2014/main" id="{8C54911E-C7A1-4CEC-EBF1-0B16D4B61B9B}"/>
               </a:ext>
             </a:extLst>
           </p:cNvPr>
@@ -10641,8 +10822,8 @@
         </p:nvSpPr>
         <p:spPr>
           <a:xfrm>
-            <a:off x="1557070" y="382508"/>
-            <a:ext cx="9077860" cy="1602400"/>
+            <a:off x="2222600" y="143850"/>
+            <a:ext cx="7746800" cy="1602400"/>
           </a:xfrm>
           <a:prstGeom prst="rect">
             <a:avLst/>
@@ -10917,17 +11098,17 @@
                 <a:latin typeface="Amatic SC" panose="020F0502020204030204" pitchFamily="2" charset="-79"/>
                 <a:cs typeface="Amatic SC" panose="020F0502020204030204" pitchFamily="2" charset="-79"/>
               </a:rPr>
-              <a:t>Exercises</a:t>
+              <a:t>What we learnt…</a:t>
             </a:r>
           </a:p>
         </p:txBody>
       </p:sp>
       <p:sp>
         <p:nvSpPr>
-          <p:cNvPr id="2" name="TextBox 1">
-            <a:extLst>
-              <a:ext uri="{FF2B5EF4-FFF2-40B4-BE49-F238E27FC236}">
-                <a16:creationId xmlns:a16="http://schemas.microsoft.com/office/drawing/2014/main" id="{C7DF4258-3D00-F61F-F1CC-2CD90161A399}"/>
+          <p:cNvPr id="7" name="TextBox 6">
+            <a:extLst>
+              <a:ext uri="{FF2B5EF4-FFF2-40B4-BE49-F238E27FC236}">
+                <a16:creationId xmlns:a16="http://schemas.microsoft.com/office/drawing/2014/main" id="{746CF1E8-DC14-458F-9658-3E32EF64E0E4}"/>
               </a:ext>
             </a:extLst>
           </p:cNvPr>
@@ -10936,8 +11117,8 @@
         </p:nvSpPr>
         <p:spPr>
           <a:xfrm>
-            <a:off x="1265150" y="2117180"/>
-            <a:ext cx="9727970" cy="5199565"/>
+            <a:off x="1572958" y="2780121"/>
+            <a:ext cx="4048530" cy="2800767"/>
           </a:xfrm>
           <a:prstGeom prst="rect">
             <a:avLst/>
@@ -10950,15 +11131,9 @@
           </a:bodyPr>
           <a:lstStyle/>
           <a:p>
-            <a:pPr marL="571500" indent="-571500">
-              <a:lnSpc>
-                <a:spcPct val="150000"/>
-              </a:lnSpc>
-              <a:buFont typeface="Wingdings" panose="05000000000000000000" pitchFamily="2" charset="2"/>
-              <a:buChar char="p"/>
-            </a:pPr>
+            <a:pPr algn="ctr"/>
             <a:r>
-              <a:rPr lang="en-US" altLang="zh-CN" sz="2800" dirty="0">
+              <a:rPr lang="en-US" altLang="zh-CN" sz="4400" dirty="0">
                 <a:solidFill>
                   <a:schemeClr val="bg1">
                     <a:lumMod val="75000"/>
@@ -10966,149 +11141,72 @@
                 </a:solidFill>
                 <a:latin typeface="High Tower Text" panose="02040502050506030303" pitchFamily="18" charset="0"/>
               </a:rPr>
-              <a:t>Can you make the crab to start at a random x position?</a:t>
+              <a:t>How to control game character with keyboard </a:t>
             </a:r>
-          </a:p>
-          <a:p>
-            <a:pPr marL="571500" indent="-571500">
-              <a:lnSpc>
-                <a:spcPct val="150000"/>
-              </a:lnSpc>
-              <a:buFont typeface="Wingdings" panose="05000000000000000000" pitchFamily="2" charset="2"/>
-              <a:buChar char="p"/>
-            </a:pPr>
             <a:r>
-              <a:rPr lang="en-US" altLang="zh-CN" sz="2800" dirty="0">
-                <a:solidFill>
-                  <a:schemeClr val="bg1">
-                    <a:lumMod val="75000"/>
+              <a:rPr lang="en-US" altLang="zh-CN" sz="4400" dirty="0">
+                <a:solidFill>
+                  <a:schemeClr val="accent2">
+                    <a:lumMod val="40000"/>
+                    <a:lumOff val="60000"/>
                   </a:schemeClr>
                 </a:solidFill>
                 <a:latin typeface="High Tower Text" panose="02040502050506030303" pitchFamily="18" charset="0"/>
               </a:rPr>
-              <a:t>Can you add sound effect when turtle reaches ocean?</a:t>
+              <a:t>keys</a:t>
             </a:r>
-          </a:p>
-          <a:p>
-            <a:pPr marL="571500" indent="-571500">
-              <a:lnSpc>
-                <a:spcPct val="150000"/>
-              </a:lnSpc>
-              <a:buFont typeface="Wingdings" panose="05000000000000000000" pitchFamily="2" charset="2"/>
-              <a:buChar char="p"/>
-            </a:pPr>
-            <a:r>
-              <a:rPr lang="en-US" altLang="zh-CN" sz="2800" dirty="0">
-                <a:solidFill>
-                  <a:schemeClr val="bg1">
-                    <a:lumMod val="75000"/>
-                  </a:schemeClr>
-                </a:solidFill>
-                <a:latin typeface="High Tower Text" panose="02040502050506030303" pitchFamily="18" charset="0"/>
-              </a:rPr>
-              <a:t>Can you add sound effect when crab catches turtle?</a:t>
-            </a:r>
-          </a:p>
-          <a:p>
-            <a:pPr marL="571500" indent="-571500">
-              <a:lnSpc>
-                <a:spcPct val="150000"/>
-              </a:lnSpc>
-              <a:buFont typeface="Wingdings" panose="05000000000000000000" pitchFamily="2" charset="2"/>
-              <a:buChar char="p"/>
-            </a:pPr>
-            <a:r>
-              <a:rPr lang="en-US" altLang="zh-CN" sz="2800" dirty="0">
-                <a:solidFill>
-                  <a:schemeClr val="bg1">
-                    <a:lumMod val="75000"/>
-                  </a:schemeClr>
-                </a:solidFill>
-                <a:latin typeface="High Tower Text" panose="02040502050506030303" pitchFamily="18" charset="0"/>
-              </a:rPr>
-              <a:t>Can you add more crabs?</a:t>
-            </a:r>
-          </a:p>
-          <a:p>
-            <a:pPr marL="571500" indent="-571500">
-              <a:lnSpc>
-                <a:spcPct val="150000"/>
-              </a:lnSpc>
-              <a:buFont typeface="Wingdings" panose="05000000000000000000" pitchFamily="2" charset="2"/>
-              <a:buChar char="p"/>
-            </a:pPr>
-            <a:r>
-              <a:rPr lang="en-US" altLang="zh-CN" sz="2800" dirty="0">
-                <a:solidFill>
-                  <a:schemeClr val="bg1">
-                    <a:lumMod val="75000"/>
-                  </a:schemeClr>
-                </a:solidFill>
-                <a:latin typeface="High Tower Text" panose="02040502050506030303" pitchFamily="18" charset="0"/>
-              </a:rPr>
-              <a:t>Can you make crabs bounce around on the stage instead?</a:t>
-            </a:r>
-          </a:p>
-          <a:p>
-            <a:pPr marL="571500" indent="-571500">
-              <a:lnSpc>
-                <a:spcPct val="150000"/>
-              </a:lnSpc>
-              <a:buFont typeface="Wingdings" panose="05000000000000000000" pitchFamily="2" charset="2"/>
-              <a:buChar char="p"/>
-            </a:pPr>
-            <a:r>
-              <a:rPr lang="en-US" altLang="zh-CN" sz="2800" dirty="0">
-                <a:solidFill>
-                  <a:schemeClr val="bg1">
-                    <a:lumMod val="75000"/>
-                  </a:schemeClr>
-                </a:solidFill>
-                <a:latin typeface="High Tower Text" panose="02040502050506030303" pitchFamily="18" charset="0"/>
-              </a:rPr>
-              <a:t>Can you stop all the crab when turtle reaches the ocean?</a:t>
-            </a:r>
-          </a:p>
-          <a:p>
-            <a:pPr marL="571500" indent="-571500">
-              <a:lnSpc>
-                <a:spcPct val="150000"/>
-              </a:lnSpc>
-              <a:buFont typeface="Wingdings" panose="05000000000000000000" pitchFamily="2" charset="2"/>
-              <a:buChar char="p"/>
-            </a:pPr>
-            <a:endParaRPr lang="en-US" altLang="zh-CN" sz="2800" dirty="0">
+            <a:endParaRPr lang="zh-CN" altLang="en-US" sz="4400" dirty="0">
               <a:solidFill>
-                <a:schemeClr val="bg1">
-                  <a:lumMod val="75000"/>
+                <a:schemeClr val="accent2">
+                  <a:lumMod val="40000"/>
+                  <a:lumOff val="60000"/>
                 </a:schemeClr>
               </a:solidFill>
               <a:latin typeface="High Tower Text" panose="02040502050506030303" pitchFamily="18" charset="0"/>
             </a:endParaRPr>
           </a:p>
-          <a:p>
-            <a:pPr marL="571500" indent="-571500">
-              <a:lnSpc>
-                <a:spcPct val="150000"/>
-              </a:lnSpc>
-              <a:buFont typeface="Wingdings" panose="05000000000000000000" pitchFamily="2" charset="2"/>
-              <a:buChar char="p"/>
-            </a:pPr>
-            <a:endParaRPr lang="zh-CN" altLang="en-US" sz="2800" dirty="0">
-              <a:solidFill>
-                <a:schemeClr val="bg1">
-                  <a:lumMod val="75000"/>
-                </a:schemeClr>
-              </a:solidFill>
-              <a:latin typeface="High Tower Text" panose="02040502050506030303" pitchFamily="18" charset="0"/>
-            </a:endParaRPr>
-          </a:p>
         </p:txBody>
       </p:sp>
+      <p:pic>
+        <p:nvPicPr>
+          <p:cNvPr id="3" name="Picture 2">
+            <a:extLst>
+              <a:ext uri="{FF2B5EF4-FFF2-40B4-BE49-F238E27FC236}">
+                <a16:creationId xmlns:a16="http://schemas.microsoft.com/office/drawing/2014/main" id="{2EF608FA-8F30-DA87-86AE-3B8959BAD105}"/>
+              </a:ext>
+            </a:extLst>
+          </p:cNvPr>
+          <p:cNvPicPr>
+            <a:picLocks noChangeAspect="1"/>
+          </p:cNvPicPr>
+          <p:nvPr/>
+        </p:nvPicPr>
+        <p:blipFill>
+          <a:blip r:embed="rId2">
+            <a:extLst>
+              <a:ext uri="{28A0092B-C50C-407E-A947-70E740481C1C}">
+                <a14:useLocalDpi xmlns:a14="http://schemas.microsoft.com/office/drawing/2010/main" val="0"/>
+              </a:ext>
+            </a:extLst>
+          </a:blip>
+          <a:stretch>
+            <a:fillRect/>
+          </a:stretch>
+        </p:blipFill>
+        <p:spPr>
+          <a:xfrm>
+            <a:off x="6912329" y="3512536"/>
+            <a:ext cx="3653302" cy="980687"/>
+          </a:xfrm>
+          <a:prstGeom prst="rect">
+            <a:avLst/>
+          </a:prstGeom>
+        </p:spPr>
+      </p:pic>
     </p:spTree>
     <p:extLst>
       <p:ext uri="{BB962C8B-B14F-4D97-AF65-F5344CB8AC3E}">
-        <p14:creationId xmlns:p14="http://schemas.microsoft.com/office/powerpoint/2010/main" val="1704037758"/>
+        <p14:creationId xmlns:p14="http://schemas.microsoft.com/office/powerpoint/2010/main" val="2768751716"/>
       </p:ext>
     </p:extLst>
   </p:cSld>
@@ -11123,7 +11221,13 @@
   <p:cSld>
     <p:spTree>
       <p:nvGrpSpPr>
-        <p:cNvPr id="1" name=""/>
+        <p:cNvPr id="1" name="">
+          <a:extLst>
+            <a:ext uri="{FF2B5EF4-FFF2-40B4-BE49-F238E27FC236}">
+              <a16:creationId xmlns:a16="http://schemas.microsoft.com/office/drawing/2014/main" id="{439729EC-4C6B-88B5-8AD4-63F33400D47A}"/>
+            </a:ext>
+          </a:extLst>
+        </p:cNvPr>
         <p:cNvGrpSpPr/>
         <p:nvPr/>
       </p:nvGrpSpPr>
@@ -11140,7 +11244,7 @@
           <p:cNvPr id="6" name="Rectangle 5">
             <a:extLst>
               <a:ext uri="{FF2B5EF4-FFF2-40B4-BE49-F238E27FC236}">
-                <a16:creationId xmlns:a16="http://schemas.microsoft.com/office/drawing/2014/main" id="{7BC4EB1B-EA6B-DFE4-AF3B-05D0EB253209}"/>
+                <a16:creationId xmlns:a16="http://schemas.microsoft.com/office/drawing/2014/main" id="{1E9B8AFB-FA38-ABD7-DD26-B318B6DCB5C9}"/>
               </a:ext>
             </a:extLst>
           </p:cNvPr>
@@ -11189,6 +11293,568 @@
       </p:sp>
       <p:sp>
         <p:nvSpPr>
+          <p:cNvPr id="4" name="Google Shape;867;p33">
+            <a:extLst>
+              <a:ext uri="{FF2B5EF4-FFF2-40B4-BE49-F238E27FC236}">
+                <a16:creationId xmlns:a16="http://schemas.microsoft.com/office/drawing/2014/main" id="{5613379B-9C50-F409-A420-BD9DE9831028}"/>
+              </a:ext>
+            </a:extLst>
+          </p:cNvPr>
+          <p:cNvSpPr txBox="1">
+            <a:spLocks/>
+          </p:cNvSpPr>
+          <p:nvPr/>
+        </p:nvSpPr>
+        <p:spPr>
+          <a:xfrm>
+            <a:off x="1557070" y="382508"/>
+            <a:ext cx="9077860" cy="1602400"/>
+          </a:xfrm>
+          <a:prstGeom prst="rect">
+            <a:avLst/>
+          </a:prstGeom>
+          <a:noFill/>
+          <a:ln>
+            <a:noFill/>
+          </a:ln>
+        </p:spPr>
+        <p:txBody>
+          <a:bodyPr spcFirstLastPara="1" wrap="square" lIns="91425" tIns="91425" rIns="91425" bIns="91425" anchor="b" anchorCtr="0">
+            <a:noAutofit/>
+          </a:bodyPr>
+          <a:lstStyle>
+            <a:defPPr marR="0" lvl="0" algn="l" rtl="0">
+              <a:lnSpc>
+                <a:spcPct val="100000"/>
+              </a:lnSpc>
+              <a:spcBef>
+                <a:spcPts val="0"/>
+              </a:spcBef>
+              <a:spcAft>
+                <a:spcPts val="0"/>
+              </a:spcAft>
+            </a:defPPr>
+            <a:lvl1pPr marR="0" lvl="0" algn="l" rtl="0">
+              <a:lnSpc>
+                <a:spcPct val="100000"/>
+              </a:lnSpc>
+              <a:spcBef>
+                <a:spcPts val="0"/>
+              </a:spcBef>
+              <a:spcAft>
+                <a:spcPts val="0"/>
+              </a:spcAft>
+              <a:buClr>
+                <a:schemeClr val="dk1"/>
+              </a:buClr>
+              <a:buSzPts val="3600"/>
+              <a:buFont typeface="Barlow"/>
+              <a:buNone/>
+              <a:defRPr sz="7200" b="1" i="0" u="none" strike="noStrike" cap="none">
+                <a:solidFill>
+                  <a:schemeClr val="dk1"/>
+                </a:solidFill>
+                <a:latin typeface="Barlow"/>
+                <a:ea typeface="Barlow"/>
+                <a:cs typeface="Barlow"/>
+                <a:sym typeface="Barlow"/>
+              </a:defRPr>
+            </a:lvl1pPr>
+            <a:lvl2pPr marR="0" lvl="1" algn="ctr" rtl="0">
+              <a:lnSpc>
+                <a:spcPct val="100000"/>
+              </a:lnSpc>
+              <a:spcBef>
+                <a:spcPts val="0"/>
+              </a:spcBef>
+              <a:spcAft>
+                <a:spcPts val="0"/>
+              </a:spcAft>
+              <a:buClr>
+                <a:schemeClr val="dk1"/>
+              </a:buClr>
+              <a:buSzPts val="3600"/>
+              <a:buFont typeface="Barlow"/>
+              <a:buNone/>
+              <a:defRPr sz="3600" b="1" i="0" u="none" strike="noStrike" cap="none">
+                <a:solidFill>
+                  <a:schemeClr val="dk1"/>
+                </a:solidFill>
+                <a:latin typeface="Barlow"/>
+                <a:ea typeface="Barlow"/>
+                <a:cs typeface="Barlow"/>
+                <a:sym typeface="Barlow"/>
+              </a:defRPr>
+            </a:lvl2pPr>
+            <a:lvl3pPr marR="0" lvl="2" algn="ctr" rtl="0">
+              <a:lnSpc>
+                <a:spcPct val="100000"/>
+              </a:lnSpc>
+              <a:spcBef>
+                <a:spcPts val="0"/>
+              </a:spcBef>
+              <a:spcAft>
+                <a:spcPts val="0"/>
+              </a:spcAft>
+              <a:buClr>
+                <a:schemeClr val="dk1"/>
+              </a:buClr>
+              <a:buSzPts val="3600"/>
+              <a:buFont typeface="Barlow"/>
+              <a:buNone/>
+              <a:defRPr sz="3600" b="1" i="0" u="none" strike="noStrike" cap="none">
+                <a:solidFill>
+                  <a:schemeClr val="dk1"/>
+                </a:solidFill>
+                <a:latin typeface="Barlow"/>
+                <a:ea typeface="Barlow"/>
+                <a:cs typeface="Barlow"/>
+                <a:sym typeface="Barlow"/>
+              </a:defRPr>
+            </a:lvl3pPr>
+            <a:lvl4pPr marR="0" lvl="3" algn="ctr" rtl="0">
+              <a:lnSpc>
+                <a:spcPct val="100000"/>
+              </a:lnSpc>
+              <a:spcBef>
+                <a:spcPts val="0"/>
+              </a:spcBef>
+              <a:spcAft>
+                <a:spcPts val="0"/>
+              </a:spcAft>
+              <a:buClr>
+                <a:schemeClr val="dk1"/>
+              </a:buClr>
+              <a:buSzPts val="3600"/>
+              <a:buFont typeface="Barlow"/>
+              <a:buNone/>
+              <a:defRPr sz="3600" b="1" i="0" u="none" strike="noStrike" cap="none">
+                <a:solidFill>
+                  <a:schemeClr val="dk1"/>
+                </a:solidFill>
+                <a:latin typeface="Barlow"/>
+                <a:ea typeface="Barlow"/>
+                <a:cs typeface="Barlow"/>
+                <a:sym typeface="Barlow"/>
+              </a:defRPr>
+            </a:lvl4pPr>
+            <a:lvl5pPr marR="0" lvl="4" algn="ctr" rtl="0">
+              <a:lnSpc>
+                <a:spcPct val="100000"/>
+              </a:lnSpc>
+              <a:spcBef>
+                <a:spcPts val="0"/>
+              </a:spcBef>
+              <a:spcAft>
+                <a:spcPts val="0"/>
+              </a:spcAft>
+              <a:buClr>
+                <a:schemeClr val="dk1"/>
+              </a:buClr>
+              <a:buSzPts val="3600"/>
+              <a:buFont typeface="Barlow"/>
+              <a:buNone/>
+              <a:defRPr sz="3600" b="1" i="0" u="none" strike="noStrike" cap="none">
+                <a:solidFill>
+                  <a:schemeClr val="dk1"/>
+                </a:solidFill>
+                <a:latin typeface="Barlow"/>
+                <a:ea typeface="Barlow"/>
+                <a:cs typeface="Barlow"/>
+                <a:sym typeface="Barlow"/>
+              </a:defRPr>
+            </a:lvl5pPr>
+            <a:lvl6pPr marR="0" lvl="5" algn="ctr" rtl="0">
+              <a:lnSpc>
+                <a:spcPct val="100000"/>
+              </a:lnSpc>
+              <a:spcBef>
+                <a:spcPts val="0"/>
+              </a:spcBef>
+              <a:spcAft>
+                <a:spcPts val="0"/>
+              </a:spcAft>
+              <a:buClr>
+                <a:schemeClr val="dk1"/>
+              </a:buClr>
+              <a:buSzPts val="3600"/>
+              <a:buFont typeface="Barlow"/>
+              <a:buNone/>
+              <a:defRPr sz="3600" b="1" i="0" u="none" strike="noStrike" cap="none">
+                <a:solidFill>
+                  <a:schemeClr val="dk1"/>
+                </a:solidFill>
+                <a:latin typeface="Barlow"/>
+                <a:ea typeface="Barlow"/>
+                <a:cs typeface="Barlow"/>
+                <a:sym typeface="Barlow"/>
+              </a:defRPr>
+            </a:lvl6pPr>
+            <a:lvl7pPr marR="0" lvl="6" algn="ctr" rtl="0">
+              <a:lnSpc>
+                <a:spcPct val="100000"/>
+              </a:lnSpc>
+              <a:spcBef>
+                <a:spcPts val="0"/>
+              </a:spcBef>
+              <a:spcAft>
+                <a:spcPts val="0"/>
+              </a:spcAft>
+              <a:buClr>
+                <a:schemeClr val="dk1"/>
+              </a:buClr>
+              <a:buSzPts val="3600"/>
+              <a:buFont typeface="Barlow"/>
+              <a:buNone/>
+              <a:defRPr sz="3600" b="1" i="0" u="none" strike="noStrike" cap="none">
+                <a:solidFill>
+                  <a:schemeClr val="dk1"/>
+                </a:solidFill>
+                <a:latin typeface="Barlow"/>
+                <a:ea typeface="Barlow"/>
+                <a:cs typeface="Barlow"/>
+                <a:sym typeface="Barlow"/>
+              </a:defRPr>
+            </a:lvl7pPr>
+            <a:lvl8pPr marR="0" lvl="7" algn="ctr" rtl="0">
+              <a:lnSpc>
+                <a:spcPct val="100000"/>
+              </a:lnSpc>
+              <a:spcBef>
+                <a:spcPts val="0"/>
+              </a:spcBef>
+              <a:spcAft>
+                <a:spcPts val="0"/>
+              </a:spcAft>
+              <a:buClr>
+                <a:schemeClr val="dk1"/>
+              </a:buClr>
+              <a:buSzPts val="3600"/>
+              <a:buFont typeface="Barlow"/>
+              <a:buNone/>
+              <a:defRPr sz="3600" b="1" i="0" u="none" strike="noStrike" cap="none">
+                <a:solidFill>
+                  <a:schemeClr val="dk1"/>
+                </a:solidFill>
+                <a:latin typeface="Barlow"/>
+                <a:ea typeface="Barlow"/>
+                <a:cs typeface="Barlow"/>
+                <a:sym typeface="Barlow"/>
+              </a:defRPr>
+            </a:lvl8pPr>
+            <a:lvl9pPr marR="0" lvl="8" algn="ctr" rtl="0">
+              <a:lnSpc>
+                <a:spcPct val="100000"/>
+              </a:lnSpc>
+              <a:spcBef>
+                <a:spcPts val="0"/>
+              </a:spcBef>
+              <a:spcAft>
+                <a:spcPts val="0"/>
+              </a:spcAft>
+              <a:buClr>
+                <a:schemeClr val="dk1"/>
+              </a:buClr>
+              <a:buSzPts val="3600"/>
+              <a:buFont typeface="Barlow"/>
+              <a:buNone/>
+              <a:defRPr sz="3600" b="1" i="0" u="none" strike="noStrike" cap="none">
+                <a:solidFill>
+                  <a:schemeClr val="dk1"/>
+                </a:solidFill>
+                <a:latin typeface="Barlow"/>
+                <a:ea typeface="Barlow"/>
+                <a:cs typeface="Barlow"/>
+                <a:sym typeface="Barlow"/>
+              </a:defRPr>
+            </a:lvl9pPr>
+          </a:lstStyle>
+          <a:p>
+            <a:pPr algn="ctr"/>
+            <a:r>
+              <a:rPr lang="en-US" altLang="zh-CN" sz="8000" spc="300" dirty="0">
+                <a:solidFill>
+                  <a:schemeClr val="accent4">
+                    <a:lumMod val="60000"/>
+                    <a:lumOff val="40000"/>
+                    <a:alpha val="60000"/>
+                  </a:schemeClr>
+                </a:solidFill>
+                <a:latin typeface="Amatic SC" panose="020F0502020204030204" pitchFamily="2" charset="-79"/>
+                <a:cs typeface="Amatic SC" panose="020F0502020204030204" pitchFamily="2" charset="-79"/>
+              </a:rPr>
+              <a:t>Exercises</a:t>
+            </a:r>
+          </a:p>
+        </p:txBody>
+      </p:sp>
+      <p:sp>
+        <p:nvSpPr>
+          <p:cNvPr id="2" name="TextBox 1">
+            <a:extLst>
+              <a:ext uri="{FF2B5EF4-FFF2-40B4-BE49-F238E27FC236}">
+                <a16:creationId xmlns:a16="http://schemas.microsoft.com/office/drawing/2014/main" id="{C7DF4258-3D00-F61F-F1CC-2CD90161A399}"/>
+              </a:ext>
+            </a:extLst>
+          </p:cNvPr>
+          <p:cNvSpPr txBox="1"/>
+          <p:nvPr/>
+        </p:nvSpPr>
+        <p:spPr>
+          <a:xfrm>
+            <a:off x="1265150" y="2117180"/>
+            <a:ext cx="9727970" cy="5199565"/>
+          </a:xfrm>
+          <a:prstGeom prst="rect">
+            <a:avLst/>
+          </a:prstGeom>
+          <a:noFill/>
+        </p:spPr>
+        <p:txBody>
+          <a:bodyPr wrap="square" rtlCol="0">
+            <a:spAutoFit/>
+          </a:bodyPr>
+          <a:lstStyle/>
+          <a:p>
+            <a:pPr marL="571500" indent="-571500">
+              <a:lnSpc>
+                <a:spcPct val="150000"/>
+              </a:lnSpc>
+              <a:buFont typeface="Wingdings" panose="05000000000000000000" pitchFamily="2" charset="2"/>
+              <a:buChar char="p"/>
+            </a:pPr>
+            <a:r>
+              <a:rPr lang="en-US" altLang="zh-CN" sz="2800" dirty="0">
+                <a:solidFill>
+                  <a:schemeClr val="bg1">
+                    <a:lumMod val="75000"/>
+                  </a:schemeClr>
+                </a:solidFill>
+                <a:latin typeface="High Tower Text" panose="02040502050506030303" pitchFamily="18" charset="0"/>
+              </a:rPr>
+              <a:t>Can you make the crab to start at a random x position?</a:t>
+            </a:r>
+          </a:p>
+          <a:p>
+            <a:pPr marL="571500" indent="-571500">
+              <a:lnSpc>
+                <a:spcPct val="150000"/>
+              </a:lnSpc>
+              <a:buFont typeface="Wingdings" panose="05000000000000000000" pitchFamily="2" charset="2"/>
+              <a:buChar char="p"/>
+            </a:pPr>
+            <a:r>
+              <a:rPr lang="en-US" altLang="zh-CN" sz="2800" dirty="0">
+                <a:solidFill>
+                  <a:schemeClr val="bg1">
+                    <a:lumMod val="75000"/>
+                  </a:schemeClr>
+                </a:solidFill>
+                <a:latin typeface="High Tower Text" panose="02040502050506030303" pitchFamily="18" charset="0"/>
+              </a:rPr>
+              <a:t>Can you add sound effect when turtle reaches ocean?</a:t>
+            </a:r>
+          </a:p>
+          <a:p>
+            <a:pPr marL="571500" indent="-571500">
+              <a:lnSpc>
+                <a:spcPct val="150000"/>
+              </a:lnSpc>
+              <a:buFont typeface="Wingdings" panose="05000000000000000000" pitchFamily="2" charset="2"/>
+              <a:buChar char="p"/>
+            </a:pPr>
+            <a:r>
+              <a:rPr lang="en-US" altLang="zh-CN" sz="2800" dirty="0">
+                <a:solidFill>
+                  <a:schemeClr val="bg1">
+                    <a:lumMod val="75000"/>
+                  </a:schemeClr>
+                </a:solidFill>
+                <a:latin typeface="High Tower Text" panose="02040502050506030303" pitchFamily="18" charset="0"/>
+              </a:rPr>
+              <a:t>Can you add sound effect when crab catches turtle?</a:t>
+            </a:r>
+          </a:p>
+          <a:p>
+            <a:pPr marL="571500" indent="-571500">
+              <a:lnSpc>
+                <a:spcPct val="150000"/>
+              </a:lnSpc>
+              <a:buFont typeface="Wingdings" panose="05000000000000000000" pitchFamily="2" charset="2"/>
+              <a:buChar char="p"/>
+            </a:pPr>
+            <a:r>
+              <a:rPr lang="en-US" altLang="zh-CN" sz="2800" dirty="0">
+                <a:solidFill>
+                  <a:schemeClr val="bg1">
+                    <a:lumMod val="75000"/>
+                  </a:schemeClr>
+                </a:solidFill>
+                <a:latin typeface="High Tower Text" panose="02040502050506030303" pitchFamily="18" charset="0"/>
+              </a:rPr>
+              <a:t>Can you add more crabs?</a:t>
+            </a:r>
+          </a:p>
+          <a:p>
+            <a:pPr marL="571500" indent="-571500">
+              <a:lnSpc>
+                <a:spcPct val="150000"/>
+              </a:lnSpc>
+              <a:buFont typeface="Wingdings" panose="05000000000000000000" pitchFamily="2" charset="2"/>
+              <a:buChar char="p"/>
+            </a:pPr>
+            <a:r>
+              <a:rPr lang="en-US" altLang="zh-CN" sz="2800" dirty="0">
+                <a:solidFill>
+                  <a:schemeClr val="bg1">
+                    <a:lumMod val="75000"/>
+                  </a:schemeClr>
+                </a:solidFill>
+                <a:latin typeface="High Tower Text" panose="02040502050506030303" pitchFamily="18" charset="0"/>
+              </a:rPr>
+              <a:t>Can you make crabs bounce around on the stage instead?</a:t>
+            </a:r>
+          </a:p>
+          <a:p>
+            <a:pPr marL="571500" indent="-571500">
+              <a:lnSpc>
+                <a:spcPct val="150000"/>
+              </a:lnSpc>
+              <a:buFont typeface="Wingdings" panose="05000000000000000000" pitchFamily="2" charset="2"/>
+              <a:buChar char="p"/>
+            </a:pPr>
+            <a:r>
+              <a:rPr lang="en-US" altLang="zh-CN" sz="2800" dirty="0">
+                <a:solidFill>
+                  <a:schemeClr val="bg1">
+                    <a:lumMod val="75000"/>
+                  </a:schemeClr>
+                </a:solidFill>
+                <a:latin typeface="High Tower Text" panose="02040502050506030303" pitchFamily="18" charset="0"/>
+              </a:rPr>
+              <a:t>Can you stop all the crab when turtle reaches the ocean?</a:t>
+            </a:r>
+          </a:p>
+          <a:p>
+            <a:pPr marL="571500" indent="-571500">
+              <a:lnSpc>
+                <a:spcPct val="150000"/>
+              </a:lnSpc>
+              <a:buFont typeface="Wingdings" panose="05000000000000000000" pitchFamily="2" charset="2"/>
+              <a:buChar char="p"/>
+            </a:pPr>
+            <a:endParaRPr lang="en-US" altLang="zh-CN" sz="2800" dirty="0">
+              <a:solidFill>
+                <a:schemeClr val="bg1">
+                  <a:lumMod val="75000"/>
+                </a:schemeClr>
+              </a:solidFill>
+              <a:latin typeface="High Tower Text" panose="02040502050506030303" pitchFamily="18" charset="0"/>
+            </a:endParaRPr>
+          </a:p>
+          <a:p>
+            <a:pPr marL="571500" indent="-571500">
+              <a:lnSpc>
+                <a:spcPct val="150000"/>
+              </a:lnSpc>
+              <a:buFont typeface="Wingdings" panose="05000000000000000000" pitchFamily="2" charset="2"/>
+              <a:buChar char="p"/>
+            </a:pPr>
+            <a:endParaRPr lang="zh-CN" altLang="en-US" sz="2800" dirty="0">
+              <a:solidFill>
+                <a:schemeClr val="bg1">
+                  <a:lumMod val="75000"/>
+                </a:schemeClr>
+              </a:solidFill>
+              <a:latin typeface="High Tower Text" panose="02040502050506030303" pitchFamily="18" charset="0"/>
+            </a:endParaRPr>
+          </a:p>
+        </p:txBody>
+      </p:sp>
+    </p:spTree>
+    <p:extLst>
+      <p:ext uri="{BB962C8B-B14F-4D97-AF65-F5344CB8AC3E}">
+        <p14:creationId xmlns:p14="http://schemas.microsoft.com/office/powerpoint/2010/main" val="1704037758"/>
+      </p:ext>
+    </p:extLst>
+  </p:cSld>
+  <p:clrMapOvr>
+    <a:masterClrMapping/>
+  </p:clrMapOvr>
+</p:sld>
+</file>
+
+<file path=ppt/slides/slide25.xml><?xml version="1.0" encoding="utf-8"?>
+<p:sld xmlns:a="http://schemas.openxmlformats.org/drawingml/2006/main" xmlns:r="http://schemas.openxmlformats.org/officeDocument/2006/relationships" xmlns:p="http://schemas.openxmlformats.org/presentationml/2006/main">
+  <p:cSld>
+    <p:spTree>
+      <p:nvGrpSpPr>
+        <p:cNvPr id="1" name=""/>
+        <p:cNvGrpSpPr/>
+        <p:nvPr/>
+      </p:nvGrpSpPr>
+      <p:grpSpPr>
+        <a:xfrm>
+          <a:off x="0" y="0"/>
+          <a:ext cx="0" cy="0"/>
+          <a:chOff x="0" y="0"/>
+          <a:chExt cx="0" cy="0"/>
+        </a:xfrm>
+      </p:grpSpPr>
+      <p:sp>
+        <p:nvSpPr>
+          <p:cNvPr id="6" name="Rectangle 5">
+            <a:extLst>
+              <a:ext uri="{FF2B5EF4-FFF2-40B4-BE49-F238E27FC236}">
+                <a16:creationId xmlns:a16="http://schemas.microsoft.com/office/drawing/2014/main" id="{7BC4EB1B-EA6B-DFE4-AF3B-05D0EB253209}"/>
+              </a:ext>
+            </a:extLst>
+          </p:cNvPr>
+          <p:cNvSpPr/>
+          <p:nvPr/>
+        </p:nvSpPr>
+        <p:spPr>
+          <a:xfrm>
+            <a:off x="0" y="0"/>
+            <a:ext cx="12192000" cy="6858000"/>
+          </a:xfrm>
+          <a:prstGeom prst="rect">
+            <a:avLst/>
+          </a:prstGeom>
+          <a:solidFill>
+            <a:srgbClr val="23242A"/>
+          </a:solidFill>
+          <a:ln>
+            <a:noFill/>
+          </a:ln>
+        </p:spPr>
+        <p:style>
+          <a:lnRef idx="2">
+            <a:schemeClr val="accent1">
+              <a:shade val="15000"/>
+            </a:schemeClr>
+          </a:lnRef>
+          <a:fillRef idx="1">
+            <a:schemeClr val="accent1"/>
+          </a:fillRef>
+          <a:effectRef idx="0">
+            <a:schemeClr val="accent1"/>
+          </a:effectRef>
+          <a:fontRef idx="minor">
+            <a:schemeClr val="lt1"/>
+          </a:fontRef>
+        </p:style>
+        <p:txBody>
+          <a:bodyPr rtlCol="0" anchor="ctr"/>
+          <a:lstStyle/>
+          <a:p>
+            <a:pPr algn="ctr"/>
+            <a:endParaRPr lang="zh-CN" altLang="en-US" dirty="0"/>
+          </a:p>
+        </p:txBody>
+      </p:sp>
+      <p:sp>
+        <p:nvSpPr>
           <p:cNvPr id="2" name="Slide Number Placeholder 1">
             <a:extLst>
               <a:ext uri="{FF2B5EF4-FFF2-40B4-BE49-F238E27FC236}">
@@ -11222,7 +11888,7 @@
                 </a:solidFill>
                 <a:latin typeface="Bradley Hand ITC" panose="03070402050302030203" pitchFamily="66" charset="0"/>
               </a:rPr>
-              <a:t>24</a:t>
+              <a:t>25</a:t>
             </a:fld>
             <a:endParaRPr lang="zh-CN" altLang="en-US" sz="2400" b="1" dirty="0">
               <a:solidFill>
@@ -15637,11 +16303,83 @@
                 <a:latin typeface="Amatic SC" panose="020F0502020204030204" pitchFamily="2" charset="-79"/>
                 <a:cs typeface="Amatic SC" panose="020F0502020204030204" pitchFamily="2" charset="-79"/>
               </a:rPr>
-              <a:t>Slide</a:t>
+              <a:t>Backdrop</a:t>
             </a:r>
           </a:p>
         </p:txBody>
       </p:sp>
+      <p:pic>
+        <p:nvPicPr>
+          <p:cNvPr id="5" name="Graphic 4">
+            <a:extLst>
+              <a:ext uri="{FF2B5EF4-FFF2-40B4-BE49-F238E27FC236}">
+                <a16:creationId xmlns:a16="http://schemas.microsoft.com/office/drawing/2014/main" id="{87352094-973E-6314-1093-6EC38AEC715D}"/>
+              </a:ext>
+            </a:extLst>
+          </p:cNvPr>
+          <p:cNvPicPr>
+            <a:picLocks noChangeAspect="1"/>
+          </p:cNvPicPr>
+          <p:nvPr/>
+        </p:nvPicPr>
+        <p:blipFill>
+          <a:blip r:embed="rId2">
+            <a:extLst>
+              <a:ext uri="{96DAC541-7B7A-43D3-8B79-37D633B846F1}">
+                <asvg:svgBlip xmlns:asvg="http://schemas.microsoft.com/office/drawing/2016/SVG/main" r:embed="rId3"/>
+              </a:ext>
+            </a:extLst>
+          </a:blip>
+          <a:stretch>
+            <a:fillRect/>
+          </a:stretch>
+        </p:blipFill>
+        <p:spPr>
+          <a:xfrm>
+            <a:off x="3672840" y="1837793"/>
+            <a:ext cx="4846320" cy="3634740"/>
+          </a:xfrm>
+          <a:prstGeom prst="rect">
+            <a:avLst/>
+          </a:prstGeom>
+        </p:spPr>
+      </p:pic>
+      <p:pic>
+        <p:nvPicPr>
+          <p:cNvPr id="10" name="Picture 9">
+            <a:extLst>
+              <a:ext uri="{FF2B5EF4-FFF2-40B4-BE49-F238E27FC236}">
+                <a16:creationId xmlns:a16="http://schemas.microsoft.com/office/drawing/2014/main" id="{19F3867B-5C7A-F65D-FB96-AACD5AFAA40C}"/>
+              </a:ext>
+            </a:extLst>
+          </p:cNvPr>
+          <p:cNvPicPr>
+            <a:picLocks noChangeAspect="1"/>
+          </p:cNvPicPr>
+          <p:nvPr/>
+        </p:nvPicPr>
+        <p:blipFill>
+          <a:blip r:embed="rId4">
+            <a:extLst>
+              <a:ext uri="{28A0092B-C50C-407E-A947-70E740481C1C}">
+                <a14:useLocalDpi xmlns:a14="http://schemas.microsoft.com/office/drawing/2010/main" val="0"/>
+              </a:ext>
+            </a:extLst>
+          </a:blip>
+          <a:stretch>
+            <a:fillRect/>
+          </a:stretch>
+        </p:blipFill>
+        <p:spPr>
+          <a:xfrm>
+            <a:off x="3573780" y="5754978"/>
+            <a:ext cx="5044440" cy="820576"/>
+          </a:xfrm>
+          <a:prstGeom prst="rect">
+            <a:avLst/>
+          </a:prstGeom>
+        </p:spPr>
+      </p:pic>
     </p:spTree>
     <p:extLst>
       <p:ext uri="{BB962C8B-B14F-4D97-AF65-F5344CB8AC3E}">
@@ -16070,11 +16808,135 @@
                 <a:latin typeface="Amatic SC" panose="020F0502020204030204" pitchFamily="2" charset="-79"/>
                 <a:cs typeface="Amatic SC" panose="020F0502020204030204" pitchFamily="2" charset="-79"/>
               </a:rPr>
-              <a:t>Slide</a:t>
+              <a:t>Sprites</a:t>
             </a:r>
           </a:p>
         </p:txBody>
       </p:sp>
+      <p:pic>
+        <p:nvPicPr>
+          <p:cNvPr id="3" name="Graphic 2">
+            <a:extLst>
+              <a:ext uri="{FF2B5EF4-FFF2-40B4-BE49-F238E27FC236}">
+                <a16:creationId xmlns:a16="http://schemas.microsoft.com/office/drawing/2014/main" id="{879317D2-8DE8-E572-D22D-0CCAE726F901}"/>
+              </a:ext>
+            </a:extLst>
+          </p:cNvPr>
+          <p:cNvPicPr>
+            <a:picLocks noChangeAspect="1"/>
+          </p:cNvPicPr>
+          <p:nvPr/>
+        </p:nvPicPr>
+        <p:blipFill>
+          <a:blip r:embed="rId2">
+            <a:extLst>
+              <a:ext uri="{96DAC541-7B7A-43D3-8B79-37D633B846F1}">
+                <asvg:svgBlip xmlns:asvg="http://schemas.microsoft.com/office/drawing/2016/SVG/main" r:embed="rId3"/>
+              </a:ext>
+            </a:extLst>
+          </a:blip>
+          <a:stretch>
+            <a:fillRect/>
+          </a:stretch>
+        </p:blipFill>
+        <p:spPr>
+          <a:xfrm>
+            <a:off x="1410292" y="2052381"/>
+            <a:ext cx="3786548" cy="3536674"/>
+          </a:xfrm>
+          <a:prstGeom prst="rect">
+            <a:avLst/>
+          </a:prstGeom>
+        </p:spPr>
+      </p:pic>
+      <p:sp>
+        <p:nvSpPr>
+          <p:cNvPr id="5" name="TextBox 4">
+            <a:extLst>
+              <a:ext uri="{FF2B5EF4-FFF2-40B4-BE49-F238E27FC236}">
+                <a16:creationId xmlns:a16="http://schemas.microsoft.com/office/drawing/2014/main" id="{571F243C-071A-138A-9217-F14BBBCF853B}"/>
+              </a:ext>
+            </a:extLst>
+          </p:cNvPr>
+          <p:cNvSpPr txBox="1"/>
+          <p:nvPr/>
+        </p:nvSpPr>
+        <p:spPr>
+          <a:xfrm>
+            <a:off x="1239736" y="5857296"/>
+            <a:ext cx="4127659" cy="584775"/>
+          </a:xfrm>
+          <a:prstGeom prst="rect">
+            <a:avLst/>
+          </a:prstGeom>
+          <a:noFill/>
+        </p:spPr>
+        <p:txBody>
+          <a:bodyPr wrap="square" rtlCol="0">
+            <a:spAutoFit/>
+          </a:bodyPr>
+          <a:lstStyle/>
+          <a:p>
+            <a:pPr algn="ctr"/>
+            <a:r>
+              <a:rPr lang="en-US" altLang="zh-CN" sz="3200" dirty="0">
+                <a:solidFill>
+                  <a:schemeClr val="bg1">
+                    <a:lumMod val="75000"/>
+                  </a:schemeClr>
+                </a:solidFill>
+                <a:latin typeface="High Tower Text" panose="02040502050506030303" pitchFamily="18" charset="0"/>
+              </a:rPr>
+              <a:t>First Dinosaur</a:t>
+            </a:r>
+            <a:endParaRPr lang="zh-CN" altLang="en-US" sz="3200" dirty="0">
+              <a:solidFill>
+                <a:schemeClr val="accent2">
+                  <a:lumMod val="40000"/>
+                  <a:lumOff val="60000"/>
+                </a:schemeClr>
+              </a:solidFill>
+              <a:latin typeface="High Tower Text" panose="02040502050506030303" pitchFamily="18" charset="0"/>
+            </a:endParaRPr>
+          </a:p>
+        </p:txBody>
+      </p:sp>
+      <p:pic>
+        <p:nvPicPr>
+          <p:cNvPr id="8" name="Picture 7">
+            <a:extLst>
+              <a:ext uri="{FF2B5EF4-FFF2-40B4-BE49-F238E27FC236}">
+                <a16:creationId xmlns:a16="http://schemas.microsoft.com/office/drawing/2014/main" id="{4EABCDBA-D37B-1EC0-E7DF-7E722FF9BC36}"/>
+              </a:ext>
+            </a:extLst>
+          </p:cNvPr>
+          <p:cNvPicPr>
+            <a:picLocks noChangeAspect="1"/>
+          </p:cNvPicPr>
+          <p:nvPr/>
+        </p:nvPicPr>
+        <p:blipFill>
+          <a:blip r:embed="rId4">
+            <a:extLst>
+              <a:ext uri="{28A0092B-C50C-407E-A947-70E740481C1C}">
+                <a14:useLocalDpi xmlns:a14="http://schemas.microsoft.com/office/drawing/2010/main" val="0"/>
+              </a:ext>
+            </a:extLst>
+          </a:blip>
+          <a:stretch>
+            <a:fillRect/>
+          </a:stretch>
+        </p:blipFill>
+        <p:spPr>
+          <a:xfrm>
+            <a:off x="6995162" y="2397917"/>
+            <a:ext cx="3714750" cy="3209925"/>
+          </a:xfrm>
+          <a:prstGeom prst="rect">
+            <a:avLst/>
+          </a:prstGeom>
+        </p:spPr>
+      </p:pic>
     </p:spTree>
     <p:extLst>
       <p:ext uri="{BB962C8B-B14F-4D97-AF65-F5344CB8AC3E}">
